--- a/weekly_team_presentation/Week4.pptx
+++ b/weekly_team_presentation/Week4.pptx
@@ -108,6 +108,11 @@
       </a:defRPr>
     </a:lvl9pPr>
   </p:defaultTextStyle>
+  <p:extLst>
+    <p:ext uri="{EFAFB233-063F-42B5-8137-9DF3F51BA10A}">
+      <p15:sldGuideLst xmlns:p15="http://schemas.microsoft.com/office/powerpoint/2012/main"/>
+    </p:ext>
+  </p:extLst>
 </p:presentation>
 </file>
 
@@ -3859,8 +3864,21 @@
                   <a:srgbClr val="FFFFFF"/>
                 </a:solidFill>
               </a:rPr>
-              <a:t>Nicolas Seeman</a:t>
-            </a:r>
+              <a:t>Nicolas </a:t>
+            </a:r>
+            <a:r>
+              <a:rPr lang="en-US" sz="1800" dirty="0" err="1">
+                <a:solidFill>
+                  <a:srgbClr val="FFFFFF"/>
+                </a:solidFill>
+              </a:rPr>
+              <a:t>Semaan</a:t>
+            </a:r>
+            <a:endParaRPr lang="en-US" sz="1800" dirty="0">
+              <a:solidFill>
+                <a:srgbClr val="FFFFFF"/>
+              </a:solidFill>
+            </a:endParaRPr>
           </a:p>
         </p:txBody>
       </p:sp>

--- a/weekly_team_presentation/Week4.pptx
+++ b/weekly_team_presentation/Week4.pptx
@@ -10,6 +10,7 @@
     <p:sldId id="258" r:id="rId4"/>
     <p:sldId id="259" r:id="rId5"/>
     <p:sldId id="260" r:id="rId6"/>
+    <p:sldId id="261" r:id="rId7"/>
   </p:sldIdLst>
   <p:sldSz cx="12192000" cy="6858000"/>
   <p:notesSz cx="6858000" cy="9144000"/>
@@ -116,6 +117,3046 @@
 </p:presentation>
 </file>
 
+<file path=ppt/diagrams/colors1.xml><?xml version="1.0" encoding="utf-8"?>
+<dgm:colorsDef xmlns:dgm="http://schemas.openxmlformats.org/drawingml/2006/diagram" xmlns:a="http://schemas.openxmlformats.org/drawingml/2006/main" uniqueId="urn:microsoft.com/office/officeart/2018/5/colors/Iconchunking_neutralbg_colorful1">
+  <dgm:title val=""/>
+  <dgm:desc val=""/>
+  <dgm:catLst>
+    <dgm:cat type="colorful" pri="10100"/>
+  </dgm:catLst>
+  <dgm:styleLbl name="node0">
+    <dgm:fillClrLst meth="repeat">
+      <a:schemeClr val="accent1"/>
+    </dgm:fillClrLst>
+    <dgm:linClrLst meth="repeat">
+      <a:schemeClr val="lt1"/>
+    </dgm:linClrLst>
+    <dgm:effectClrLst/>
+    <dgm:txLinClrLst/>
+    <dgm:txFillClrLst/>
+    <dgm:txEffectClrLst/>
+  </dgm:styleLbl>
+  <dgm:styleLbl name="node1">
+    <dgm:fillClrLst meth="repeat">
+      <a:schemeClr val="accent2"/>
+      <a:schemeClr val="accent3"/>
+      <a:schemeClr val="accent4"/>
+      <a:schemeClr val="accent5"/>
+      <a:schemeClr val="accent6"/>
+    </dgm:fillClrLst>
+    <dgm:linClrLst meth="repeat">
+      <a:schemeClr val="lt1">
+        <a:alpha val="0"/>
+      </a:schemeClr>
+    </dgm:linClrLst>
+    <dgm:effectClrLst/>
+    <dgm:txLinClrLst/>
+    <dgm:txFillClrLst/>
+    <dgm:txEffectClrLst/>
+  </dgm:styleLbl>
+  <dgm:styleLbl name="alignNode1">
+    <dgm:fillClrLst meth="repeat">
+      <a:schemeClr val="accent2"/>
+      <a:schemeClr val="accent3"/>
+      <a:schemeClr val="accent4"/>
+      <a:schemeClr val="accent5"/>
+      <a:schemeClr val="accent6"/>
+    </dgm:fillClrLst>
+    <dgm:linClrLst meth="repeat">
+      <a:schemeClr val="accent2"/>
+      <a:schemeClr val="accent3"/>
+      <a:schemeClr val="accent4"/>
+      <a:schemeClr val="accent5"/>
+      <a:schemeClr val="accent6"/>
+    </dgm:linClrLst>
+    <dgm:effectClrLst/>
+    <dgm:txLinClrLst/>
+    <dgm:txFillClrLst/>
+    <dgm:txEffectClrLst/>
+  </dgm:styleLbl>
+  <dgm:styleLbl name="lnNode1">
+    <dgm:fillClrLst meth="repeat">
+      <a:schemeClr val="accent2"/>
+      <a:schemeClr val="accent3"/>
+      <a:schemeClr val="accent4"/>
+      <a:schemeClr val="accent5"/>
+      <a:schemeClr val="accent6"/>
+    </dgm:fillClrLst>
+    <dgm:linClrLst meth="repeat">
+      <a:schemeClr val="lt1"/>
+    </dgm:linClrLst>
+    <dgm:effectClrLst/>
+    <dgm:txLinClrLst/>
+    <dgm:txFillClrLst/>
+    <dgm:txEffectClrLst/>
+  </dgm:styleLbl>
+  <dgm:styleLbl name="vennNode1">
+    <dgm:fillClrLst meth="repeat">
+      <a:schemeClr val="accent2">
+        <a:alpha val="50000"/>
+      </a:schemeClr>
+      <a:schemeClr val="accent3">
+        <a:alpha val="50000"/>
+      </a:schemeClr>
+      <a:schemeClr val="accent4">
+        <a:alpha val="50000"/>
+      </a:schemeClr>
+      <a:schemeClr val="accent5">
+        <a:alpha val="50000"/>
+      </a:schemeClr>
+      <a:schemeClr val="accent6">
+        <a:alpha val="50000"/>
+      </a:schemeClr>
+    </dgm:fillClrLst>
+    <dgm:linClrLst meth="repeat">
+      <a:schemeClr val="lt1"/>
+    </dgm:linClrLst>
+    <dgm:effectClrLst/>
+    <dgm:txLinClrLst/>
+    <dgm:txFillClrLst/>
+    <dgm:txEffectClrLst/>
+  </dgm:styleLbl>
+  <dgm:styleLbl name="node2">
+    <dgm:fillClrLst>
+      <a:schemeClr val="accent2"/>
+    </dgm:fillClrLst>
+    <dgm:linClrLst meth="repeat">
+      <a:schemeClr val="lt1"/>
+    </dgm:linClrLst>
+    <dgm:effectClrLst/>
+    <dgm:txLinClrLst/>
+    <dgm:txFillClrLst/>
+    <dgm:txEffectClrLst/>
+  </dgm:styleLbl>
+  <dgm:styleLbl name="node3">
+    <dgm:fillClrLst>
+      <a:schemeClr val="accent3"/>
+    </dgm:fillClrLst>
+    <dgm:linClrLst meth="repeat">
+      <a:schemeClr val="lt1"/>
+    </dgm:linClrLst>
+    <dgm:effectClrLst/>
+    <dgm:txLinClrLst/>
+    <dgm:txFillClrLst/>
+    <dgm:txEffectClrLst/>
+  </dgm:styleLbl>
+  <dgm:styleLbl name="node4">
+    <dgm:fillClrLst>
+      <a:schemeClr val="accent4"/>
+    </dgm:fillClrLst>
+    <dgm:linClrLst meth="repeat">
+      <a:schemeClr val="lt1"/>
+    </dgm:linClrLst>
+    <dgm:effectClrLst/>
+    <dgm:txLinClrLst/>
+    <dgm:txFillClrLst/>
+    <dgm:txEffectClrLst/>
+  </dgm:styleLbl>
+  <dgm:styleLbl name="fgImgPlace1">
+    <dgm:fillClrLst meth="repeat">
+      <a:schemeClr val="accent2">
+        <a:tint val="50000"/>
+      </a:schemeClr>
+      <a:schemeClr val="accent3">
+        <a:tint val="50000"/>
+      </a:schemeClr>
+      <a:schemeClr val="accent4">
+        <a:tint val="50000"/>
+      </a:schemeClr>
+      <a:schemeClr val="accent5">
+        <a:tint val="50000"/>
+      </a:schemeClr>
+      <a:schemeClr val="accent6">
+        <a:tint val="50000"/>
+      </a:schemeClr>
+    </dgm:fillClrLst>
+    <dgm:linClrLst meth="repeat">
+      <a:schemeClr val="lt1"/>
+    </dgm:linClrLst>
+    <dgm:effectClrLst/>
+    <dgm:txLinClrLst/>
+    <dgm:txFillClrLst meth="repeat">
+      <a:schemeClr val="lt1"/>
+    </dgm:txFillClrLst>
+    <dgm:txEffectClrLst/>
+  </dgm:styleLbl>
+  <dgm:styleLbl name="alignImgPlace1">
+    <dgm:fillClrLst>
+      <a:schemeClr val="accent1">
+        <a:tint val="50000"/>
+      </a:schemeClr>
+      <a:schemeClr val="accent2">
+        <a:tint val="20000"/>
+      </a:schemeClr>
+    </dgm:fillClrLst>
+    <dgm:linClrLst meth="repeat">
+      <a:schemeClr val="lt1"/>
+    </dgm:linClrLst>
+    <dgm:effectClrLst/>
+    <dgm:txLinClrLst/>
+    <dgm:txFillClrLst meth="repeat">
+      <a:schemeClr val="lt1"/>
+    </dgm:txFillClrLst>
+    <dgm:txEffectClrLst/>
+  </dgm:styleLbl>
+  <dgm:styleLbl name="bgImgPlace1">
+    <dgm:fillClrLst>
+      <a:schemeClr val="accent1">
+        <a:tint val="50000"/>
+      </a:schemeClr>
+      <a:schemeClr val="accent2">
+        <a:tint val="20000"/>
+      </a:schemeClr>
+    </dgm:fillClrLst>
+    <dgm:linClrLst meth="repeat">
+      <a:schemeClr val="lt1"/>
+    </dgm:linClrLst>
+    <dgm:effectClrLst/>
+    <dgm:txLinClrLst/>
+    <dgm:txFillClrLst meth="repeat">
+      <a:schemeClr val="lt1"/>
+    </dgm:txFillClrLst>
+    <dgm:txEffectClrLst/>
+  </dgm:styleLbl>
+  <dgm:styleLbl name="sibTrans2D1">
+    <dgm:fillClrLst meth="repeat">
+      <a:schemeClr val="accent2"/>
+      <a:schemeClr val="accent3"/>
+      <a:schemeClr val="accent4"/>
+      <a:schemeClr val="accent5"/>
+      <a:schemeClr val="accent6"/>
+    </dgm:fillClrLst>
+    <dgm:linClrLst meth="cycle">
+      <a:schemeClr val="lt1"/>
+    </dgm:linClrLst>
+    <dgm:effectClrLst/>
+    <dgm:txLinClrLst/>
+    <dgm:txFillClrLst/>
+    <dgm:txEffectClrLst/>
+  </dgm:styleLbl>
+  <dgm:styleLbl name="fgSibTrans2D1">
+    <dgm:fillClrLst meth="repeat">
+      <a:schemeClr val="accent2"/>
+      <a:schemeClr val="accent3"/>
+      <a:schemeClr val="accent4"/>
+      <a:schemeClr val="accent5"/>
+      <a:schemeClr val="accent6"/>
+    </dgm:fillClrLst>
+    <dgm:linClrLst meth="cycle">
+      <a:schemeClr val="lt1"/>
+    </dgm:linClrLst>
+    <dgm:effectClrLst/>
+    <dgm:txLinClrLst/>
+    <dgm:txFillClrLst meth="repeat">
+      <a:schemeClr val="lt1"/>
+    </dgm:txFillClrLst>
+    <dgm:txEffectClrLst/>
+  </dgm:styleLbl>
+  <dgm:styleLbl name="bgSibTrans2D1">
+    <dgm:fillClrLst meth="repeat">
+      <a:schemeClr val="accent2"/>
+      <a:schemeClr val="accent3"/>
+      <a:schemeClr val="accent4"/>
+      <a:schemeClr val="accent5"/>
+      <a:schemeClr val="accent6"/>
+    </dgm:fillClrLst>
+    <dgm:linClrLst meth="cycle">
+      <a:schemeClr val="lt1"/>
+    </dgm:linClrLst>
+    <dgm:effectClrLst/>
+    <dgm:txLinClrLst/>
+    <dgm:txFillClrLst meth="repeat">
+      <a:schemeClr val="lt1"/>
+    </dgm:txFillClrLst>
+    <dgm:txEffectClrLst/>
+  </dgm:styleLbl>
+  <dgm:styleLbl name="sibTrans1D1">
+    <dgm:fillClrLst meth="repeat">
+      <a:schemeClr val="accent2"/>
+      <a:schemeClr val="accent3"/>
+      <a:schemeClr val="accent4"/>
+      <a:schemeClr val="accent5"/>
+      <a:schemeClr val="accent6"/>
+    </dgm:fillClrLst>
+    <dgm:linClrLst meth="repeat">
+      <a:schemeClr val="accent2"/>
+      <a:schemeClr val="accent3"/>
+      <a:schemeClr val="accent4"/>
+      <a:schemeClr val="accent5"/>
+      <a:schemeClr val="accent6"/>
+    </dgm:linClrLst>
+    <dgm:effectClrLst/>
+    <dgm:txLinClrLst/>
+    <dgm:txFillClrLst meth="repeat">
+      <a:schemeClr val="tx1"/>
+    </dgm:txFillClrLst>
+    <dgm:txEffectClrLst/>
+  </dgm:styleLbl>
+  <dgm:styleLbl name="callout">
+    <dgm:fillClrLst meth="repeat">
+      <a:schemeClr val="accent2"/>
+    </dgm:fillClrLst>
+    <dgm:linClrLst meth="repeat">
+      <a:schemeClr val="accent2">
+        <a:tint val="50000"/>
+      </a:schemeClr>
+    </dgm:linClrLst>
+    <dgm:effectClrLst/>
+    <dgm:txLinClrLst/>
+    <dgm:txFillClrLst meth="repeat">
+      <a:schemeClr val="tx1"/>
+    </dgm:txFillClrLst>
+    <dgm:txEffectClrLst/>
+  </dgm:styleLbl>
+  <dgm:styleLbl name="asst0">
+    <dgm:fillClrLst meth="repeat">
+      <a:schemeClr val="accent1"/>
+    </dgm:fillClrLst>
+    <dgm:linClrLst meth="repeat">
+      <a:schemeClr val="lt1"/>
+    </dgm:linClrLst>
+    <dgm:effectClrLst/>
+    <dgm:txLinClrLst/>
+    <dgm:txFillClrLst/>
+    <dgm:txEffectClrLst/>
+  </dgm:styleLbl>
+  <dgm:styleLbl name="asst1">
+    <dgm:fillClrLst meth="repeat">
+      <a:schemeClr val="accent2"/>
+    </dgm:fillClrLst>
+    <dgm:linClrLst meth="repeat">
+      <a:schemeClr val="lt1"/>
+    </dgm:linClrLst>
+    <dgm:effectClrLst/>
+    <dgm:txLinClrLst/>
+    <dgm:txFillClrLst/>
+    <dgm:txEffectClrLst/>
+  </dgm:styleLbl>
+  <dgm:styleLbl name="asst2">
+    <dgm:fillClrLst>
+      <a:schemeClr val="accent3"/>
+    </dgm:fillClrLst>
+    <dgm:linClrLst meth="repeat">
+      <a:schemeClr val="lt1"/>
+    </dgm:linClrLst>
+    <dgm:effectClrLst/>
+    <dgm:txLinClrLst/>
+    <dgm:txFillClrLst/>
+    <dgm:txEffectClrLst/>
+  </dgm:styleLbl>
+  <dgm:styleLbl name="asst3">
+    <dgm:fillClrLst>
+      <a:schemeClr val="accent4"/>
+    </dgm:fillClrLst>
+    <dgm:linClrLst meth="repeat">
+      <a:schemeClr val="lt1"/>
+    </dgm:linClrLst>
+    <dgm:effectClrLst/>
+    <dgm:txLinClrLst/>
+    <dgm:txFillClrLst/>
+    <dgm:txEffectClrLst/>
+  </dgm:styleLbl>
+  <dgm:styleLbl name="asst4">
+    <dgm:fillClrLst>
+      <a:schemeClr val="accent5"/>
+    </dgm:fillClrLst>
+    <dgm:linClrLst meth="repeat">
+      <a:schemeClr val="lt1"/>
+    </dgm:linClrLst>
+    <dgm:effectClrLst/>
+    <dgm:txLinClrLst/>
+    <dgm:txFillClrLst/>
+    <dgm:txEffectClrLst/>
+  </dgm:styleLbl>
+  <dgm:styleLbl name="parChTrans2D1">
+    <dgm:fillClrLst meth="repeat">
+      <a:schemeClr val="accent2"/>
+    </dgm:fillClrLst>
+    <dgm:linClrLst meth="repeat">
+      <a:schemeClr val="lt1"/>
+    </dgm:linClrLst>
+    <dgm:effectClrLst/>
+    <dgm:txLinClrLst/>
+    <dgm:txFillClrLst meth="repeat">
+      <a:schemeClr val="lt1"/>
+    </dgm:txFillClrLst>
+    <dgm:txEffectClrLst/>
+  </dgm:styleLbl>
+  <dgm:styleLbl name="parChTrans2D2">
+    <dgm:fillClrLst meth="repeat">
+      <a:schemeClr val="accent3"/>
+    </dgm:fillClrLst>
+    <dgm:linClrLst meth="repeat">
+      <a:schemeClr val="lt1"/>
+    </dgm:linClrLst>
+    <dgm:effectClrLst/>
+    <dgm:txLinClrLst/>
+    <dgm:txFillClrLst/>
+    <dgm:txEffectClrLst/>
+  </dgm:styleLbl>
+  <dgm:styleLbl name="parChTrans2D3">
+    <dgm:fillClrLst meth="repeat">
+      <a:schemeClr val="accent4"/>
+    </dgm:fillClrLst>
+    <dgm:linClrLst meth="repeat">
+      <a:schemeClr val="lt1"/>
+    </dgm:linClrLst>
+    <dgm:effectClrLst/>
+    <dgm:txLinClrLst/>
+    <dgm:txFillClrLst/>
+    <dgm:txEffectClrLst/>
+  </dgm:styleLbl>
+  <dgm:styleLbl name="parChTrans2D4">
+    <dgm:fillClrLst meth="repeat">
+      <a:schemeClr val="accent5"/>
+    </dgm:fillClrLst>
+    <dgm:linClrLst meth="repeat">
+      <a:schemeClr val="lt1"/>
+    </dgm:linClrLst>
+    <dgm:effectClrLst/>
+    <dgm:txLinClrLst/>
+    <dgm:txFillClrLst meth="repeat">
+      <a:schemeClr val="lt1"/>
+    </dgm:txFillClrLst>
+    <dgm:txEffectClrLst/>
+  </dgm:styleLbl>
+  <dgm:styleLbl name="parChTrans1D1">
+    <dgm:fillClrLst meth="repeat">
+      <a:schemeClr val="accent2"/>
+    </dgm:fillClrLst>
+    <dgm:linClrLst meth="repeat">
+      <a:schemeClr val="accent1"/>
+    </dgm:linClrLst>
+    <dgm:effectClrLst/>
+    <dgm:txLinClrLst/>
+    <dgm:txFillClrLst meth="repeat">
+      <a:schemeClr val="tx1"/>
+    </dgm:txFillClrLst>
+    <dgm:txEffectClrLst/>
+  </dgm:styleLbl>
+  <dgm:styleLbl name="parChTrans1D2">
+    <dgm:fillClrLst meth="repeat">
+      <a:schemeClr val="accent3">
+        <a:tint val="90000"/>
+      </a:schemeClr>
+    </dgm:fillClrLst>
+    <dgm:linClrLst meth="repeat">
+      <a:schemeClr val="accent2"/>
+    </dgm:linClrLst>
+    <dgm:effectClrLst/>
+    <dgm:txLinClrLst/>
+    <dgm:txFillClrLst meth="repeat">
+      <a:schemeClr val="tx1"/>
+    </dgm:txFillClrLst>
+    <dgm:txEffectClrLst/>
+  </dgm:styleLbl>
+  <dgm:styleLbl name="parChTrans1D3">
+    <dgm:fillClrLst meth="repeat">
+      <a:schemeClr val="accent4">
+        <a:tint val="70000"/>
+      </a:schemeClr>
+    </dgm:fillClrLst>
+    <dgm:linClrLst meth="repeat">
+      <a:schemeClr val="accent3"/>
+    </dgm:linClrLst>
+    <dgm:effectClrLst/>
+    <dgm:txLinClrLst/>
+    <dgm:txFillClrLst meth="repeat">
+      <a:schemeClr val="tx1"/>
+    </dgm:txFillClrLst>
+    <dgm:txEffectClrLst/>
+  </dgm:styleLbl>
+  <dgm:styleLbl name="parChTrans1D4">
+    <dgm:fillClrLst meth="repeat">
+      <a:schemeClr val="accent5">
+        <a:tint val="50000"/>
+      </a:schemeClr>
+    </dgm:fillClrLst>
+    <dgm:linClrLst meth="repeat">
+      <a:schemeClr val="accent4"/>
+    </dgm:linClrLst>
+    <dgm:effectClrLst/>
+    <dgm:txLinClrLst/>
+    <dgm:txFillClrLst meth="repeat">
+      <a:schemeClr val="tx1"/>
+    </dgm:txFillClrLst>
+    <dgm:txEffectClrLst/>
+  </dgm:styleLbl>
+  <dgm:styleLbl name="fgAcc1">
+    <dgm:fillClrLst meth="repeat">
+      <a:schemeClr val="lt1">
+        <a:alpha val="90000"/>
+      </a:schemeClr>
+    </dgm:fillClrLst>
+    <dgm:linClrLst meth="repeat">
+      <a:schemeClr val="accent2"/>
+      <a:schemeClr val="accent3"/>
+      <a:schemeClr val="accent4"/>
+      <a:schemeClr val="accent5"/>
+      <a:schemeClr val="accent6"/>
+    </dgm:linClrLst>
+    <dgm:effectClrLst/>
+    <dgm:txLinClrLst/>
+    <dgm:txFillClrLst meth="repeat">
+      <a:schemeClr val="dk1"/>
+    </dgm:txFillClrLst>
+    <dgm:txEffectClrLst/>
+  </dgm:styleLbl>
+  <dgm:styleLbl name="conFgAcc1">
+    <dgm:fillClrLst meth="repeat">
+      <a:schemeClr val="lt1">
+        <a:alpha val="90000"/>
+      </a:schemeClr>
+    </dgm:fillClrLst>
+    <dgm:linClrLst meth="repeat">
+      <a:schemeClr val="accent2"/>
+      <a:schemeClr val="accent3"/>
+      <a:schemeClr val="accent4"/>
+      <a:schemeClr val="accent5"/>
+      <a:schemeClr val="accent6"/>
+    </dgm:linClrLst>
+    <dgm:effectClrLst/>
+    <dgm:txLinClrLst/>
+    <dgm:txFillClrLst meth="repeat">
+      <a:schemeClr val="dk1"/>
+    </dgm:txFillClrLst>
+    <dgm:txEffectClrLst/>
+  </dgm:styleLbl>
+  <dgm:styleLbl name="alignAcc1">
+    <dgm:fillClrLst meth="repeat">
+      <a:schemeClr val="lt1">
+        <a:alpha val="90000"/>
+      </a:schemeClr>
+    </dgm:fillClrLst>
+    <dgm:linClrLst meth="repeat">
+      <a:schemeClr val="accent2"/>
+      <a:schemeClr val="accent3"/>
+      <a:schemeClr val="accent4"/>
+      <a:schemeClr val="accent5"/>
+      <a:schemeClr val="accent6"/>
+    </dgm:linClrLst>
+    <dgm:effectClrLst/>
+    <dgm:txLinClrLst/>
+    <dgm:txFillClrLst meth="repeat">
+      <a:schemeClr val="dk1"/>
+    </dgm:txFillClrLst>
+    <dgm:txEffectClrLst/>
+  </dgm:styleLbl>
+  <dgm:styleLbl name="trAlignAcc1">
+    <dgm:fillClrLst meth="repeat">
+      <a:schemeClr val="lt1">
+        <a:alpha val="40000"/>
+      </a:schemeClr>
+    </dgm:fillClrLst>
+    <dgm:linClrLst meth="repeat">
+      <a:schemeClr val="accent1"/>
+    </dgm:linClrLst>
+    <dgm:effectClrLst/>
+    <dgm:txLinClrLst/>
+    <dgm:txFillClrLst meth="repeat">
+      <a:schemeClr val="dk1"/>
+    </dgm:txFillClrLst>
+    <dgm:txEffectClrLst/>
+  </dgm:styleLbl>
+  <dgm:styleLbl name="bgAcc1">
+    <dgm:fillClrLst meth="repeat">
+      <a:schemeClr val="lt1">
+        <a:alpha val="90000"/>
+      </a:schemeClr>
+    </dgm:fillClrLst>
+    <dgm:linClrLst meth="repeat">
+      <a:schemeClr val="accent2"/>
+      <a:schemeClr val="accent3"/>
+      <a:schemeClr val="accent4"/>
+      <a:schemeClr val="accent5"/>
+      <a:schemeClr val="accent6"/>
+    </dgm:linClrLst>
+    <dgm:effectClrLst/>
+    <dgm:txLinClrLst/>
+    <dgm:txFillClrLst meth="repeat">
+      <a:schemeClr val="dk1"/>
+    </dgm:txFillClrLst>
+    <dgm:txEffectClrLst/>
+  </dgm:styleLbl>
+  <dgm:styleLbl name="solidFgAcc1">
+    <dgm:fillClrLst meth="repeat">
+      <a:schemeClr val="lt1"/>
+    </dgm:fillClrLst>
+    <dgm:linClrLst meth="repeat">
+      <a:schemeClr val="accent2"/>
+      <a:schemeClr val="accent3"/>
+      <a:schemeClr val="accent4"/>
+      <a:schemeClr val="accent5"/>
+      <a:schemeClr val="accent6"/>
+    </dgm:linClrLst>
+    <dgm:effectClrLst/>
+    <dgm:txLinClrLst/>
+    <dgm:txFillClrLst meth="repeat">
+      <a:schemeClr val="dk1"/>
+    </dgm:txFillClrLst>
+    <dgm:txEffectClrLst/>
+  </dgm:styleLbl>
+  <dgm:styleLbl name="solidAlignAcc1">
+    <dgm:fillClrLst meth="repeat">
+      <a:schemeClr val="lt1"/>
+    </dgm:fillClrLst>
+    <dgm:linClrLst meth="repeat">
+      <a:schemeClr val="accent2"/>
+      <a:schemeClr val="accent3"/>
+      <a:schemeClr val="accent4"/>
+      <a:schemeClr val="accent5"/>
+      <a:schemeClr val="accent6"/>
+    </dgm:linClrLst>
+    <dgm:effectClrLst/>
+    <dgm:txLinClrLst/>
+    <dgm:txFillClrLst meth="repeat">
+      <a:schemeClr val="dk1"/>
+    </dgm:txFillClrLst>
+    <dgm:txEffectClrLst/>
+  </dgm:styleLbl>
+  <dgm:styleLbl name="solidBgAcc1">
+    <dgm:fillClrLst meth="repeat">
+      <a:schemeClr val="lt1"/>
+    </dgm:fillClrLst>
+    <dgm:linClrLst meth="repeat">
+      <a:schemeClr val="accent2"/>
+      <a:schemeClr val="accent3"/>
+      <a:schemeClr val="accent4"/>
+      <a:schemeClr val="accent5"/>
+      <a:schemeClr val="accent6"/>
+    </dgm:linClrLst>
+    <dgm:effectClrLst/>
+    <dgm:txLinClrLst/>
+    <dgm:txFillClrLst meth="repeat">
+      <a:schemeClr val="dk1"/>
+    </dgm:txFillClrLst>
+    <dgm:txEffectClrLst/>
+  </dgm:styleLbl>
+  <dgm:styleLbl name="fgAccFollowNode1">
+    <dgm:fillClrLst meth="repeat">
+      <a:schemeClr val="accent2">
+        <a:tint val="40000"/>
+        <a:alpha val="90000"/>
+      </a:schemeClr>
+      <a:schemeClr val="accent3">
+        <a:tint val="40000"/>
+        <a:alpha val="90000"/>
+      </a:schemeClr>
+      <a:schemeClr val="accent4">
+        <a:tint val="40000"/>
+        <a:alpha val="90000"/>
+      </a:schemeClr>
+      <a:schemeClr val="accent5">
+        <a:tint val="40000"/>
+        <a:alpha val="90000"/>
+      </a:schemeClr>
+      <a:schemeClr val="accent6">
+        <a:tint val="40000"/>
+        <a:alpha val="90000"/>
+      </a:schemeClr>
+    </dgm:fillClrLst>
+    <dgm:linClrLst meth="repeat">
+      <a:schemeClr val="accent2">
+        <a:tint val="40000"/>
+        <a:alpha val="90000"/>
+      </a:schemeClr>
+      <a:schemeClr val="accent3">
+        <a:tint val="40000"/>
+        <a:alpha val="90000"/>
+      </a:schemeClr>
+      <a:schemeClr val="accent4">
+        <a:tint val="40000"/>
+        <a:alpha val="90000"/>
+      </a:schemeClr>
+      <a:schemeClr val="accent5">
+        <a:tint val="40000"/>
+        <a:alpha val="90000"/>
+      </a:schemeClr>
+      <a:schemeClr val="accent6">
+        <a:tint val="40000"/>
+        <a:alpha val="90000"/>
+      </a:schemeClr>
+    </dgm:linClrLst>
+    <dgm:effectClrLst/>
+    <dgm:txLinClrLst/>
+    <dgm:txFillClrLst meth="repeat">
+      <a:schemeClr val="dk1"/>
+    </dgm:txFillClrLst>
+    <dgm:txEffectClrLst/>
+  </dgm:styleLbl>
+  <dgm:styleLbl name="alignAccFollowNode1">
+    <dgm:fillClrLst meth="repeat">
+      <a:schemeClr val="accent2">
+        <a:tint val="40000"/>
+        <a:alpha val="90000"/>
+      </a:schemeClr>
+      <a:schemeClr val="accent3">
+        <a:tint val="40000"/>
+        <a:alpha val="90000"/>
+      </a:schemeClr>
+      <a:schemeClr val="accent4">
+        <a:tint val="40000"/>
+        <a:alpha val="90000"/>
+      </a:schemeClr>
+      <a:schemeClr val="accent5">
+        <a:tint val="40000"/>
+        <a:alpha val="90000"/>
+      </a:schemeClr>
+      <a:schemeClr val="accent6">
+        <a:tint val="40000"/>
+        <a:alpha val="90000"/>
+      </a:schemeClr>
+    </dgm:fillClrLst>
+    <dgm:linClrLst meth="repeat">
+      <a:schemeClr val="accent2">
+        <a:tint val="40000"/>
+        <a:alpha val="90000"/>
+      </a:schemeClr>
+      <a:schemeClr val="accent3">
+        <a:tint val="40000"/>
+        <a:alpha val="90000"/>
+      </a:schemeClr>
+      <a:schemeClr val="accent4">
+        <a:tint val="40000"/>
+        <a:alpha val="90000"/>
+      </a:schemeClr>
+      <a:schemeClr val="accent5">
+        <a:tint val="40000"/>
+        <a:alpha val="90000"/>
+      </a:schemeClr>
+      <a:schemeClr val="accent6">
+        <a:tint val="40000"/>
+        <a:alpha val="90000"/>
+      </a:schemeClr>
+    </dgm:linClrLst>
+    <dgm:effectClrLst/>
+    <dgm:txLinClrLst/>
+    <dgm:txFillClrLst meth="repeat">
+      <a:schemeClr val="dk1"/>
+    </dgm:txFillClrLst>
+    <dgm:txEffectClrLst/>
+  </dgm:styleLbl>
+  <dgm:styleLbl name="bgAccFollowNode1">
+    <dgm:fillClrLst meth="repeat">
+      <a:schemeClr val="accent2">
+        <a:tint val="40000"/>
+        <a:alpha val="90000"/>
+      </a:schemeClr>
+      <a:schemeClr val="accent3">
+        <a:tint val="40000"/>
+        <a:alpha val="90000"/>
+      </a:schemeClr>
+      <a:schemeClr val="accent4">
+        <a:tint val="40000"/>
+        <a:alpha val="90000"/>
+      </a:schemeClr>
+      <a:schemeClr val="accent5">
+        <a:tint val="40000"/>
+        <a:alpha val="90000"/>
+      </a:schemeClr>
+      <a:schemeClr val="accent6">
+        <a:tint val="40000"/>
+        <a:alpha val="90000"/>
+      </a:schemeClr>
+    </dgm:fillClrLst>
+    <dgm:linClrLst meth="repeat">
+      <a:schemeClr val="accent2">
+        <a:tint val="40000"/>
+        <a:alpha val="90000"/>
+      </a:schemeClr>
+      <a:schemeClr val="accent3">
+        <a:tint val="40000"/>
+        <a:alpha val="90000"/>
+      </a:schemeClr>
+      <a:schemeClr val="accent4">
+        <a:tint val="40000"/>
+        <a:alpha val="90000"/>
+      </a:schemeClr>
+      <a:schemeClr val="accent5">
+        <a:tint val="40000"/>
+        <a:alpha val="90000"/>
+      </a:schemeClr>
+      <a:schemeClr val="accent6">
+        <a:tint val="40000"/>
+        <a:alpha val="90000"/>
+      </a:schemeClr>
+    </dgm:linClrLst>
+    <dgm:effectClrLst/>
+    <dgm:txLinClrLst/>
+    <dgm:txFillClrLst meth="repeat">
+      <a:schemeClr val="dk1"/>
+    </dgm:txFillClrLst>
+    <dgm:txEffectClrLst/>
+  </dgm:styleLbl>
+  <dgm:styleLbl name="fgAcc0">
+    <dgm:fillClrLst meth="repeat">
+      <a:schemeClr val="lt1">
+        <a:alpha val="90000"/>
+      </a:schemeClr>
+    </dgm:fillClrLst>
+    <dgm:linClrLst>
+      <a:schemeClr val="accent1"/>
+    </dgm:linClrLst>
+    <dgm:effectClrLst/>
+    <dgm:txLinClrLst/>
+    <dgm:txFillClrLst meth="repeat">
+      <a:schemeClr val="dk1"/>
+    </dgm:txFillClrLst>
+    <dgm:txEffectClrLst/>
+  </dgm:styleLbl>
+  <dgm:styleLbl name="fgAcc2">
+    <dgm:fillClrLst meth="repeat">
+      <a:schemeClr val="lt1">
+        <a:alpha val="90000"/>
+      </a:schemeClr>
+    </dgm:fillClrLst>
+    <dgm:linClrLst>
+      <a:schemeClr val="accent2"/>
+    </dgm:linClrLst>
+    <dgm:effectClrLst/>
+    <dgm:txLinClrLst/>
+    <dgm:txFillClrLst meth="repeat">
+      <a:schemeClr val="dk1"/>
+    </dgm:txFillClrLst>
+    <dgm:txEffectClrLst/>
+  </dgm:styleLbl>
+  <dgm:styleLbl name="fgAcc3">
+    <dgm:fillClrLst meth="repeat">
+      <a:schemeClr val="lt1">
+        <a:alpha val="90000"/>
+      </a:schemeClr>
+    </dgm:fillClrLst>
+    <dgm:linClrLst>
+      <a:schemeClr val="accent3"/>
+    </dgm:linClrLst>
+    <dgm:effectClrLst/>
+    <dgm:txLinClrLst/>
+    <dgm:txFillClrLst meth="repeat">
+      <a:schemeClr val="dk1"/>
+    </dgm:txFillClrLst>
+    <dgm:txEffectClrLst/>
+  </dgm:styleLbl>
+  <dgm:styleLbl name="fgAcc4">
+    <dgm:fillClrLst meth="repeat">
+      <a:schemeClr val="lt1">
+        <a:alpha val="90000"/>
+      </a:schemeClr>
+    </dgm:fillClrLst>
+    <dgm:linClrLst>
+      <a:schemeClr val="accent4"/>
+    </dgm:linClrLst>
+    <dgm:effectClrLst/>
+    <dgm:txLinClrLst/>
+    <dgm:txFillClrLst meth="repeat">
+      <a:schemeClr val="dk1"/>
+    </dgm:txFillClrLst>
+    <dgm:txEffectClrLst/>
+  </dgm:styleLbl>
+  <dgm:styleLbl name="bgShp">
+    <dgm:fillClrLst meth="repeat">
+      <a:schemeClr val="bg1">
+        <a:lumMod val="95000"/>
+      </a:schemeClr>
+    </dgm:fillClrLst>
+    <dgm:linClrLst meth="repeat">
+      <a:schemeClr val="dk1"/>
+    </dgm:linClrLst>
+    <dgm:effectClrLst/>
+    <dgm:txLinClrLst/>
+    <dgm:txFillClrLst meth="repeat">
+      <a:schemeClr val="dk1"/>
+    </dgm:txFillClrLst>
+    <dgm:txEffectClrLst/>
+  </dgm:styleLbl>
+  <dgm:styleLbl name="dkBgShp">
+    <dgm:fillClrLst meth="repeat">
+      <a:schemeClr val="accent2">
+        <a:shade val="90000"/>
+      </a:schemeClr>
+    </dgm:fillClrLst>
+    <dgm:linClrLst meth="repeat">
+      <a:schemeClr val="dk1"/>
+    </dgm:linClrLst>
+    <dgm:effectClrLst/>
+    <dgm:txLinClrLst/>
+    <dgm:txFillClrLst meth="repeat">
+      <a:schemeClr val="lt1"/>
+    </dgm:txFillClrLst>
+    <dgm:txEffectClrLst/>
+  </dgm:styleLbl>
+  <dgm:styleLbl name="trBgShp">
+    <dgm:fillClrLst meth="repeat">
+      <a:schemeClr val="accent1">
+        <a:tint val="50000"/>
+        <a:alpha val="40000"/>
+      </a:schemeClr>
+    </dgm:fillClrLst>
+    <dgm:linClrLst meth="repeat">
+      <a:schemeClr val="accent2"/>
+    </dgm:linClrLst>
+    <dgm:effectClrLst/>
+    <dgm:txLinClrLst/>
+    <dgm:txFillClrLst meth="repeat">
+      <a:schemeClr val="lt1"/>
+    </dgm:txFillClrLst>
+    <dgm:txEffectClrLst/>
+  </dgm:styleLbl>
+  <dgm:styleLbl name="fgShp">
+    <dgm:fillClrLst meth="repeat">
+      <a:schemeClr val="accent2">
+        <a:tint val="40000"/>
+      </a:schemeClr>
+    </dgm:fillClrLst>
+    <dgm:linClrLst meth="repeat">
+      <a:schemeClr val="lt1"/>
+    </dgm:linClrLst>
+    <dgm:effectClrLst/>
+    <dgm:txLinClrLst/>
+    <dgm:txFillClrLst meth="repeat">
+      <a:schemeClr val="dk1"/>
+    </dgm:txFillClrLst>
+    <dgm:txEffectClrLst/>
+  </dgm:styleLbl>
+  <dgm:styleLbl name="revTx">
+    <dgm:fillClrLst meth="repeat">
+      <a:schemeClr val="lt1">
+        <a:alpha val="0"/>
+      </a:schemeClr>
+    </dgm:fillClrLst>
+    <dgm:linClrLst meth="repeat">
+      <a:schemeClr val="dk1">
+        <a:alpha val="0"/>
+      </a:schemeClr>
+    </dgm:linClrLst>
+    <dgm:effectClrLst/>
+    <dgm:txLinClrLst/>
+    <dgm:txFillClrLst meth="repeat">
+      <a:schemeClr val="tx1"/>
+    </dgm:txFillClrLst>
+    <dgm:txEffectClrLst/>
+  </dgm:styleLbl>
+</dgm:colorsDef>
+</file>
+
+<file path=ppt/diagrams/data1.xml><?xml version="1.0" encoding="utf-8"?>
+<dgm:dataModel xmlns:dgm="http://schemas.openxmlformats.org/drawingml/2006/diagram" xmlns:a="http://schemas.openxmlformats.org/drawingml/2006/main">
+  <dgm:ptLst>
+    <dgm:pt modelId="{5406832C-6289-4452-A500-20C053FD152E}" type="doc">
+      <dgm:prSet loTypeId="urn:microsoft.com/office/officeart/2018/2/layout/IconVerticalSolidList" loCatId="icon" qsTypeId="urn:microsoft.com/office/officeart/2005/8/quickstyle/simple1" qsCatId="simple" csTypeId="urn:microsoft.com/office/officeart/2018/5/colors/Iconchunking_neutralbg_colorful1" csCatId="colorful" phldr="1"/>
+      <dgm:spPr/>
+      <dgm:t>
+        <a:bodyPr/>
+        <a:lstStyle/>
+        <a:p>
+          <a:endParaRPr lang="en-US"/>
+        </a:p>
+      </dgm:t>
+    </dgm:pt>
+    <dgm:pt modelId="{97C61712-E49D-4E7B-A39F-36B8E48F602E}">
+      <dgm:prSet/>
+      <dgm:spPr/>
+      <dgm:t>
+        <a:bodyPr/>
+        <a:lstStyle/>
+        <a:p>
+          <a:r>
+            <a:rPr lang="en-US"/>
+            <a:t>Implement a featured stories page</a:t>
+          </a:r>
+        </a:p>
+      </dgm:t>
+    </dgm:pt>
+    <dgm:pt modelId="{61078C9D-5FBB-41AB-96D2-D879B26B0087}" type="parTrans" cxnId="{98208502-FDAA-46B5-B334-8630FEAFE012}">
+      <dgm:prSet/>
+      <dgm:spPr/>
+      <dgm:t>
+        <a:bodyPr/>
+        <a:lstStyle/>
+        <a:p>
+          <a:endParaRPr lang="en-US"/>
+        </a:p>
+      </dgm:t>
+    </dgm:pt>
+    <dgm:pt modelId="{7045D41A-B4BD-4824-9EC9-D84A032095BA}" type="sibTrans" cxnId="{98208502-FDAA-46B5-B334-8630FEAFE012}">
+      <dgm:prSet/>
+      <dgm:spPr/>
+      <dgm:t>
+        <a:bodyPr/>
+        <a:lstStyle/>
+        <a:p>
+          <a:endParaRPr lang="en-US"/>
+        </a:p>
+      </dgm:t>
+    </dgm:pt>
+    <dgm:pt modelId="{62A23655-A513-451C-A217-00833EEA0E6E}">
+      <dgm:prSet/>
+      <dgm:spPr/>
+      <dgm:t>
+        <a:bodyPr/>
+        <a:lstStyle/>
+        <a:p>
+          <a:r>
+            <a:rPr lang="en-US"/>
+            <a:t>Create a rating system</a:t>
+          </a:r>
+        </a:p>
+      </dgm:t>
+    </dgm:pt>
+    <dgm:pt modelId="{E9A8E28A-B8DF-44D6-8276-638D59CA0D4B}" type="parTrans" cxnId="{7CE70AEB-B571-4937-8153-B94E4EB68C40}">
+      <dgm:prSet/>
+      <dgm:spPr/>
+      <dgm:t>
+        <a:bodyPr/>
+        <a:lstStyle/>
+        <a:p>
+          <a:endParaRPr lang="en-US"/>
+        </a:p>
+      </dgm:t>
+    </dgm:pt>
+    <dgm:pt modelId="{67EB6BA6-990D-4973-9471-603FD151CA84}" type="sibTrans" cxnId="{7CE70AEB-B571-4937-8153-B94E4EB68C40}">
+      <dgm:prSet/>
+      <dgm:spPr/>
+      <dgm:t>
+        <a:bodyPr/>
+        <a:lstStyle/>
+        <a:p>
+          <a:endParaRPr lang="en-US"/>
+        </a:p>
+      </dgm:t>
+    </dgm:pt>
+    <dgm:pt modelId="{836D8FD5-7D03-4DBE-B62D-714BB0A2DEC0}">
+      <dgm:prSet/>
+      <dgm:spPr/>
+      <dgm:t>
+        <a:bodyPr/>
+        <a:lstStyle/>
+        <a:p>
+          <a:r>
+            <a:rPr lang="en-US"/>
+            <a:t>Use a keyword tagging system</a:t>
+          </a:r>
+        </a:p>
+      </dgm:t>
+    </dgm:pt>
+    <dgm:pt modelId="{2489B11E-2187-4E92-A864-4CF9CA252306}" type="parTrans" cxnId="{4AEF9AC9-A2B1-46C7-95CA-46E3F3DB74F9}">
+      <dgm:prSet/>
+      <dgm:spPr/>
+      <dgm:t>
+        <a:bodyPr/>
+        <a:lstStyle/>
+        <a:p>
+          <a:endParaRPr lang="en-US"/>
+        </a:p>
+      </dgm:t>
+    </dgm:pt>
+    <dgm:pt modelId="{864E3998-830E-489B-9866-5602F8968251}" type="sibTrans" cxnId="{4AEF9AC9-A2B1-46C7-95CA-46E3F3DB74F9}">
+      <dgm:prSet/>
+      <dgm:spPr/>
+      <dgm:t>
+        <a:bodyPr/>
+        <a:lstStyle/>
+        <a:p>
+          <a:endParaRPr lang="en-US"/>
+        </a:p>
+      </dgm:t>
+    </dgm:pt>
+    <dgm:pt modelId="{7F1F5971-BCE6-4A7C-A6F0-CEAF8B260F24}" type="pres">
+      <dgm:prSet presAssocID="{5406832C-6289-4452-A500-20C053FD152E}" presName="root" presStyleCnt="0">
+        <dgm:presLayoutVars>
+          <dgm:dir/>
+          <dgm:resizeHandles val="exact"/>
+        </dgm:presLayoutVars>
+      </dgm:prSet>
+      <dgm:spPr/>
+    </dgm:pt>
+    <dgm:pt modelId="{2FE8D9F5-83F6-46C6-908B-5CA3B570D325}" type="pres">
+      <dgm:prSet presAssocID="{97C61712-E49D-4E7B-A39F-36B8E48F602E}" presName="compNode" presStyleCnt="0"/>
+      <dgm:spPr/>
+    </dgm:pt>
+    <dgm:pt modelId="{E12C1B24-14B0-4DA4-8F63-C4203461BD77}" type="pres">
+      <dgm:prSet presAssocID="{97C61712-E49D-4E7B-A39F-36B8E48F602E}" presName="bgRect" presStyleLbl="bgShp" presStyleIdx="0" presStyleCnt="3"/>
+      <dgm:spPr/>
+    </dgm:pt>
+    <dgm:pt modelId="{97CA18AA-8E72-4003-B13F-502894D7865D}" type="pres">
+      <dgm:prSet presAssocID="{97C61712-E49D-4E7B-A39F-36B8E48F602E}" presName="iconRect" presStyleLbl="node1" presStyleIdx="0" presStyleCnt="3"/>
+      <dgm:spPr>
+        <a:blipFill>
+          <a:blip xmlns:r="http://schemas.openxmlformats.org/officeDocument/2006/relationships" r:embed="rId1">
+            <a:extLst>
+              <a:ext uri="{28A0092B-C50C-407E-A947-70E740481C1C}">
+                <a14:useLocalDpi xmlns:a14="http://schemas.microsoft.com/office/drawing/2010/main" val="0"/>
+              </a:ext>
+              <a:ext uri="{96DAC541-7B7A-43D3-8B79-37D633B846F1}">
+                <asvg:svgBlip xmlns:asvg="http://schemas.microsoft.com/office/drawing/2016/SVG/main" r:embed="rId2"/>
+              </a:ext>
+            </a:extLst>
+          </a:blip>
+          <a:stretch>
+            <a:fillRect/>
+          </a:stretch>
+        </a:blipFill>
+        <a:ln>
+          <a:noFill/>
+        </a:ln>
+      </dgm:spPr>
+      <dgm:extLst>
+        <a:ext uri="{E40237B7-FDA0-4F09-8148-C483321AD2D9}">
+          <dgm14:cNvPr xmlns:dgm14="http://schemas.microsoft.com/office/drawing/2010/diagram" id="0" name="" descr="Checkmark"/>
+        </a:ext>
+      </dgm:extLst>
+    </dgm:pt>
+    <dgm:pt modelId="{342877BE-A486-4623-B42E-2DADF74AFE93}" type="pres">
+      <dgm:prSet presAssocID="{97C61712-E49D-4E7B-A39F-36B8E48F602E}" presName="spaceRect" presStyleCnt="0"/>
+      <dgm:spPr/>
+    </dgm:pt>
+    <dgm:pt modelId="{B700035F-09FF-4BED-857B-E7C11087ECC0}" type="pres">
+      <dgm:prSet presAssocID="{97C61712-E49D-4E7B-A39F-36B8E48F602E}" presName="parTx" presStyleLbl="revTx" presStyleIdx="0" presStyleCnt="3">
+        <dgm:presLayoutVars>
+          <dgm:chMax val="0"/>
+          <dgm:chPref val="0"/>
+        </dgm:presLayoutVars>
+      </dgm:prSet>
+      <dgm:spPr/>
+    </dgm:pt>
+    <dgm:pt modelId="{9AB23190-B4E0-4F5B-8F63-D61E9E0987BD}" type="pres">
+      <dgm:prSet presAssocID="{7045D41A-B4BD-4824-9EC9-D84A032095BA}" presName="sibTrans" presStyleCnt="0"/>
+      <dgm:spPr/>
+    </dgm:pt>
+    <dgm:pt modelId="{2AF83332-5768-4C5F-A971-AA2F65A5AED5}" type="pres">
+      <dgm:prSet presAssocID="{62A23655-A513-451C-A217-00833EEA0E6E}" presName="compNode" presStyleCnt="0"/>
+      <dgm:spPr/>
+    </dgm:pt>
+    <dgm:pt modelId="{D3DEED15-8100-4A86-BAA6-5569FA7256FE}" type="pres">
+      <dgm:prSet presAssocID="{62A23655-A513-451C-A217-00833EEA0E6E}" presName="bgRect" presStyleLbl="bgShp" presStyleIdx="1" presStyleCnt="3"/>
+      <dgm:spPr/>
+    </dgm:pt>
+    <dgm:pt modelId="{94C6280E-B60C-4DD5-9286-EC02BDE3B3DA}" type="pres">
+      <dgm:prSet presAssocID="{62A23655-A513-451C-A217-00833EEA0E6E}" presName="iconRect" presStyleLbl="node1" presStyleIdx="1" presStyleCnt="3"/>
+      <dgm:spPr>
+        <a:blipFill>
+          <a:blip xmlns:r="http://schemas.openxmlformats.org/officeDocument/2006/relationships" r:embed="rId3">
+            <a:extLst>
+              <a:ext uri="{28A0092B-C50C-407E-A947-70E740481C1C}">
+                <a14:useLocalDpi xmlns:a14="http://schemas.microsoft.com/office/drawing/2010/main" val="0"/>
+              </a:ext>
+              <a:ext uri="{96DAC541-7B7A-43D3-8B79-37D633B846F1}">
+                <asvg:svgBlip xmlns:asvg="http://schemas.microsoft.com/office/drawing/2016/SVG/main" r:embed="rId4"/>
+              </a:ext>
+            </a:extLst>
+          </a:blip>
+          <a:stretch>
+            <a:fillRect/>
+          </a:stretch>
+        </a:blipFill>
+        <a:ln>
+          <a:noFill/>
+        </a:ln>
+      </dgm:spPr>
+      <dgm:extLst>
+        <a:ext uri="{E40237B7-FDA0-4F09-8148-C483321AD2D9}">
+          <dgm14:cNvPr xmlns:dgm14="http://schemas.microsoft.com/office/drawing/2010/diagram" id="0" name="" descr="Thumbs Up Sign"/>
+        </a:ext>
+      </dgm:extLst>
+    </dgm:pt>
+    <dgm:pt modelId="{A47F8F93-C913-4419-BB99-2078E80ABFC3}" type="pres">
+      <dgm:prSet presAssocID="{62A23655-A513-451C-A217-00833EEA0E6E}" presName="spaceRect" presStyleCnt="0"/>
+      <dgm:spPr/>
+    </dgm:pt>
+    <dgm:pt modelId="{D39144B8-697E-4687-B2AC-341254803F28}" type="pres">
+      <dgm:prSet presAssocID="{62A23655-A513-451C-A217-00833EEA0E6E}" presName="parTx" presStyleLbl="revTx" presStyleIdx="1" presStyleCnt="3">
+        <dgm:presLayoutVars>
+          <dgm:chMax val="0"/>
+          <dgm:chPref val="0"/>
+        </dgm:presLayoutVars>
+      </dgm:prSet>
+      <dgm:spPr/>
+    </dgm:pt>
+    <dgm:pt modelId="{70448B94-5DF3-44C6-B057-22C7D2461FF2}" type="pres">
+      <dgm:prSet presAssocID="{67EB6BA6-990D-4973-9471-603FD151CA84}" presName="sibTrans" presStyleCnt="0"/>
+      <dgm:spPr/>
+    </dgm:pt>
+    <dgm:pt modelId="{124D74C7-F5FB-4E78-AF80-38EBD042167C}" type="pres">
+      <dgm:prSet presAssocID="{836D8FD5-7D03-4DBE-B62D-714BB0A2DEC0}" presName="compNode" presStyleCnt="0"/>
+      <dgm:spPr/>
+    </dgm:pt>
+    <dgm:pt modelId="{CF054985-8E94-4F50-A4A8-9FC8EF25FEE0}" type="pres">
+      <dgm:prSet presAssocID="{836D8FD5-7D03-4DBE-B62D-714BB0A2DEC0}" presName="bgRect" presStyleLbl="bgShp" presStyleIdx="2" presStyleCnt="3"/>
+      <dgm:spPr/>
+    </dgm:pt>
+    <dgm:pt modelId="{8EEBB457-9C27-499C-B96D-9A0574B0CE1A}" type="pres">
+      <dgm:prSet presAssocID="{836D8FD5-7D03-4DBE-B62D-714BB0A2DEC0}" presName="iconRect" presStyleLbl="node1" presStyleIdx="2" presStyleCnt="3"/>
+      <dgm:spPr>
+        <a:blipFill>
+          <a:blip xmlns:r="http://schemas.openxmlformats.org/officeDocument/2006/relationships" r:embed="rId5">
+            <a:extLst>
+              <a:ext uri="{28A0092B-C50C-407E-A947-70E740481C1C}">
+                <a14:useLocalDpi xmlns:a14="http://schemas.microsoft.com/office/drawing/2010/main" val="0"/>
+              </a:ext>
+              <a:ext uri="{96DAC541-7B7A-43D3-8B79-37D633B846F1}">
+                <asvg:svgBlip xmlns:asvg="http://schemas.microsoft.com/office/drawing/2016/SVG/main" r:embed="rId6"/>
+              </a:ext>
+            </a:extLst>
+          </a:blip>
+          <a:stretch>
+            <a:fillRect/>
+          </a:stretch>
+        </a:blipFill>
+        <a:ln>
+          <a:noFill/>
+        </a:ln>
+      </dgm:spPr>
+      <dgm:extLst>
+        <a:ext uri="{E40237B7-FDA0-4F09-8148-C483321AD2D9}">
+          <dgm14:cNvPr xmlns:dgm14="http://schemas.microsoft.com/office/drawing/2010/diagram" id="0" name="" descr="Magnifying glass"/>
+        </a:ext>
+      </dgm:extLst>
+    </dgm:pt>
+    <dgm:pt modelId="{7E0BDE17-E288-4A9C-8817-C528693D11FC}" type="pres">
+      <dgm:prSet presAssocID="{836D8FD5-7D03-4DBE-B62D-714BB0A2DEC0}" presName="spaceRect" presStyleCnt="0"/>
+      <dgm:spPr/>
+    </dgm:pt>
+    <dgm:pt modelId="{1BFECBE0-8623-4F6C-A9F2-0A91F7C2F1CD}" type="pres">
+      <dgm:prSet presAssocID="{836D8FD5-7D03-4DBE-B62D-714BB0A2DEC0}" presName="parTx" presStyleLbl="revTx" presStyleIdx="2" presStyleCnt="3">
+        <dgm:presLayoutVars>
+          <dgm:chMax val="0"/>
+          <dgm:chPref val="0"/>
+        </dgm:presLayoutVars>
+      </dgm:prSet>
+      <dgm:spPr/>
+    </dgm:pt>
+  </dgm:ptLst>
+  <dgm:cxnLst>
+    <dgm:cxn modelId="{98208502-FDAA-46B5-B334-8630FEAFE012}" srcId="{5406832C-6289-4452-A500-20C053FD152E}" destId="{97C61712-E49D-4E7B-A39F-36B8E48F602E}" srcOrd="0" destOrd="0" parTransId="{61078C9D-5FBB-41AB-96D2-D879B26B0087}" sibTransId="{7045D41A-B4BD-4824-9EC9-D84A032095BA}"/>
+    <dgm:cxn modelId="{30CED147-BACD-497A-8873-056A615F7345}" type="presOf" srcId="{836D8FD5-7D03-4DBE-B62D-714BB0A2DEC0}" destId="{1BFECBE0-8623-4F6C-A9F2-0A91F7C2F1CD}" srcOrd="0" destOrd="0" presId="urn:microsoft.com/office/officeart/2018/2/layout/IconVerticalSolidList"/>
+    <dgm:cxn modelId="{378C9394-06DA-4626-ABF8-0F82E55DC694}" type="presOf" srcId="{62A23655-A513-451C-A217-00833EEA0E6E}" destId="{D39144B8-697E-4687-B2AC-341254803F28}" srcOrd="0" destOrd="0" presId="urn:microsoft.com/office/officeart/2018/2/layout/IconVerticalSolidList"/>
+    <dgm:cxn modelId="{4AEF9AC9-A2B1-46C7-95CA-46E3F3DB74F9}" srcId="{5406832C-6289-4452-A500-20C053FD152E}" destId="{836D8FD5-7D03-4DBE-B62D-714BB0A2DEC0}" srcOrd="2" destOrd="0" parTransId="{2489B11E-2187-4E92-A864-4CF9CA252306}" sibTransId="{864E3998-830E-489B-9866-5602F8968251}"/>
+    <dgm:cxn modelId="{D74161CC-01A1-4D84-B68D-9B12CF26AAC4}" type="presOf" srcId="{97C61712-E49D-4E7B-A39F-36B8E48F602E}" destId="{B700035F-09FF-4BED-857B-E7C11087ECC0}" srcOrd="0" destOrd="0" presId="urn:microsoft.com/office/officeart/2018/2/layout/IconVerticalSolidList"/>
+    <dgm:cxn modelId="{7CE70AEB-B571-4937-8153-B94E4EB68C40}" srcId="{5406832C-6289-4452-A500-20C053FD152E}" destId="{62A23655-A513-451C-A217-00833EEA0E6E}" srcOrd="1" destOrd="0" parTransId="{E9A8E28A-B8DF-44D6-8276-638D59CA0D4B}" sibTransId="{67EB6BA6-990D-4973-9471-603FD151CA84}"/>
+    <dgm:cxn modelId="{62C46BEF-3246-4571-A651-484A00466335}" type="presOf" srcId="{5406832C-6289-4452-A500-20C053FD152E}" destId="{7F1F5971-BCE6-4A7C-A6F0-CEAF8B260F24}" srcOrd="0" destOrd="0" presId="urn:microsoft.com/office/officeart/2018/2/layout/IconVerticalSolidList"/>
+    <dgm:cxn modelId="{CE2DED7A-0CAE-4EB4-BC57-9546D98AD436}" type="presParOf" srcId="{7F1F5971-BCE6-4A7C-A6F0-CEAF8B260F24}" destId="{2FE8D9F5-83F6-46C6-908B-5CA3B570D325}" srcOrd="0" destOrd="0" presId="urn:microsoft.com/office/officeart/2018/2/layout/IconVerticalSolidList"/>
+    <dgm:cxn modelId="{1A7E319B-42C1-49F8-8191-9A951A5723A5}" type="presParOf" srcId="{2FE8D9F5-83F6-46C6-908B-5CA3B570D325}" destId="{E12C1B24-14B0-4DA4-8F63-C4203461BD77}" srcOrd="0" destOrd="0" presId="urn:microsoft.com/office/officeart/2018/2/layout/IconVerticalSolidList"/>
+    <dgm:cxn modelId="{5FBC89B3-7E48-4D58-A98E-4C9E83A13DC8}" type="presParOf" srcId="{2FE8D9F5-83F6-46C6-908B-5CA3B570D325}" destId="{97CA18AA-8E72-4003-B13F-502894D7865D}" srcOrd="1" destOrd="0" presId="urn:microsoft.com/office/officeart/2018/2/layout/IconVerticalSolidList"/>
+    <dgm:cxn modelId="{F5DCB7ED-4D8D-43DD-A3D8-5D444C8C5BE2}" type="presParOf" srcId="{2FE8D9F5-83F6-46C6-908B-5CA3B570D325}" destId="{342877BE-A486-4623-B42E-2DADF74AFE93}" srcOrd="2" destOrd="0" presId="urn:microsoft.com/office/officeart/2018/2/layout/IconVerticalSolidList"/>
+    <dgm:cxn modelId="{633461CD-1F4C-4E31-ABA7-8BADABF1A372}" type="presParOf" srcId="{2FE8D9F5-83F6-46C6-908B-5CA3B570D325}" destId="{B700035F-09FF-4BED-857B-E7C11087ECC0}" srcOrd="3" destOrd="0" presId="urn:microsoft.com/office/officeart/2018/2/layout/IconVerticalSolidList"/>
+    <dgm:cxn modelId="{C71E33FB-4089-4BE4-8784-DCE394405321}" type="presParOf" srcId="{7F1F5971-BCE6-4A7C-A6F0-CEAF8B260F24}" destId="{9AB23190-B4E0-4F5B-8F63-D61E9E0987BD}" srcOrd="1" destOrd="0" presId="urn:microsoft.com/office/officeart/2018/2/layout/IconVerticalSolidList"/>
+    <dgm:cxn modelId="{A764492B-6CD2-4FAE-8CAF-B54CF2D11862}" type="presParOf" srcId="{7F1F5971-BCE6-4A7C-A6F0-CEAF8B260F24}" destId="{2AF83332-5768-4C5F-A971-AA2F65A5AED5}" srcOrd="2" destOrd="0" presId="urn:microsoft.com/office/officeart/2018/2/layout/IconVerticalSolidList"/>
+    <dgm:cxn modelId="{71D07EA3-9C3B-4C49-85FF-EAEBBAB91D54}" type="presParOf" srcId="{2AF83332-5768-4C5F-A971-AA2F65A5AED5}" destId="{D3DEED15-8100-4A86-BAA6-5569FA7256FE}" srcOrd="0" destOrd="0" presId="urn:microsoft.com/office/officeart/2018/2/layout/IconVerticalSolidList"/>
+    <dgm:cxn modelId="{97BA5AA5-2C33-45A6-BE04-149B8BF6424F}" type="presParOf" srcId="{2AF83332-5768-4C5F-A971-AA2F65A5AED5}" destId="{94C6280E-B60C-4DD5-9286-EC02BDE3B3DA}" srcOrd="1" destOrd="0" presId="urn:microsoft.com/office/officeart/2018/2/layout/IconVerticalSolidList"/>
+    <dgm:cxn modelId="{9DE635B1-74E8-4875-817E-A02B05D3D02F}" type="presParOf" srcId="{2AF83332-5768-4C5F-A971-AA2F65A5AED5}" destId="{A47F8F93-C913-4419-BB99-2078E80ABFC3}" srcOrd="2" destOrd="0" presId="urn:microsoft.com/office/officeart/2018/2/layout/IconVerticalSolidList"/>
+    <dgm:cxn modelId="{13F82E4C-2408-41D3-8A83-7B9712801831}" type="presParOf" srcId="{2AF83332-5768-4C5F-A971-AA2F65A5AED5}" destId="{D39144B8-697E-4687-B2AC-341254803F28}" srcOrd="3" destOrd="0" presId="urn:microsoft.com/office/officeart/2018/2/layout/IconVerticalSolidList"/>
+    <dgm:cxn modelId="{94DB1D0B-052D-4CD3-951C-F01A68D47FE8}" type="presParOf" srcId="{7F1F5971-BCE6-4A7C-A6F0-CEAF8B260F24}" destId="{70448B94-5DF3-44C6-B057-22C7D2461FF2}" srcOrd="3" destOrd="0" presId="urn:microsoft.com/office/officeart/2018/2/layout/IconVerticalSolidList"/>
+    <dgm:cxn modelId="{B2B92043-8116-4312-94E5-AA100751A9A0}" type="presParOf" srcId="{7F1F5971-BCE6-4A7C-A6F0-CEAF8B260F24}" destId="{124D74C7-F5FB-4E78-AF80-38EBD042167C}" srcOrd="4" destOrd="0" presId="urn:microsoft.com/office/officeart/2018/2/layout/IconVerticalSolidList"/>
+    <dgm:cxn modelId="{D25E0060-BE55-4E1C-BD54-DAF5FD4FB1E4}" type="presParOf" srcId="{124D74C7-F5FB-4E78-AF80-38EBD042167C}" destId="{CF054985-8E94-4F50-A4A8-9FC8EF25FEE0}" srcOrd="0" destOrd="0" presId="urn:microsoft.com/office/officeart/2018/2/layout/IconVerticalSolidList"/>
+    <dgm:cxn modelId="{A83A1AE8-6E01-46C5-82D1-F16ABB436417}" type="presParOf" srcId="{124D74C7-F5FB-4E78-AF80-38EBD042167C}" destId="{8EEBB457-9C27-499C-B96D-9A0574B0CE1A}" srcOrd="1" destOrd="0" presId="urn:microsoft.com/office/officeart/2018/2/layout/IconVerticalSolidList"/>
+    <dgm:cxn modelId="{901CF048-2ACA-48BA-BFE4-8BB83AA19A38}" type="presParOf" srcId="{124D74C7-F5FB-4E78-AF80-38EBD042167C}" destId="{7E0BDE17-E288-4A9C-8817-C528693D11FC}" srcOrd="2" destOrd="0" presId="urn:microsoft.com/office/officeart/2018/2/layout/IconVerticalSolidList"/>
+    <dgm:cxn modelId="{2E3D1DA1-3E73-4CDA-B7CC-83A26F2A54BB}" type="presParOf" srcId="{124D74C7-F5FB-4E78-AF80-38EBD042167C}" destId="{1BFECBE0-8623-4F6C-A9F2-0A91F7C2F1CD}" srcOrd="3" destOrd="0" presId="urn:microsoft.com/office/officeart/2018/2/layout/IconVerticalSolidList"/>
+  </dgm:cxnLst>
+  <dgm:bg/>
+  <dgm:whole/>
+  <dgm:extLst>
+    <a:ext uri="http://schemas.microsoft.com/office/drawing/2008/diagram">
+      <dsp:dataModelExt xmlns:dsp="http://schemas.microsoft.com/office/drawing/2008/diagram" relId="rId7" minVer="http://schemas.openxmlformats.org/drawingml/2006/diagram"/>
+    </a:ext>
+  </dgm:extLst>
+</dgm:dataModel>
+</file>
+
+<file path=ppt/diagrams/drawing1.xml><?xml version="1.0" encoding="utf-8"?>
+<dsp:drawing xmlns:dgm="http://schemas.openxmlformats.org/drawingml/2006/diagram" xmlns:dsp="http://schemas.microsoft.com/office/drawing/2008/diagram" xmlns:a="http://schemas.openxmlformats.org/drawingml/2006/main">
+  <dsp:spTree>
+    <dsp:nvGrpSpPr>
+      <dsp:cNvPr id="0" name=""/>
+      <dsp:cNvGrpSpPr/>
+    </dsp:nvGrpSpPr>
+    <dsp:grpSpPr/>
+    <dsp:sp modelId="{E12C1B24-14B0-4DA4-8F63-C4203461BD77}">
+      <dsp:nvSpPr>
+        <dsp:cNvPr id="0" name=""/>
+        <dsp:cNvSpPr/>
+      </dsp:nvSpPr>
+      <dsp:spPr>
+        <a:xfrm>
+          <a:off x="0" y="713"/>
+          <a:ext cx="7003777" cy="1669193"/>
+        </a:xfrm>
+        <a:prstGeom prst="roundRect">
+          <a:avLst>
+            <a:gd name="adj" fmla="val 10000"/>
+          </a:avLst>
+        </a:prstGeom>
+        <a:solidFill>
+          <a:schemeClr val="bg1">
+            <a:lumMod val="95000"/>
+            <a:hueOff val="0"/>
+            <a:satOff val="0"/>
+            <a:lumOff val="0"/>
+            <a:alphaOff val="0"/>
+          </a:schemeClr>
+        </a:solidFill>
+        <a:ln>
+          <a:noFill/>
+        </a:ln>
+        <a:effectLst/>
+      </dsp:spPr>
+      <dsp:style>
+        <a:lnRef idx="0">
+          <a:scrgbClr r="0" g="0" b="0"/>
+        </a:lnRef>
+        <a:fillRef idx="1">
+          <a:scrgbClr r="0" g="0" b="0"/>
+        </a:fillRef>
+        <a:effectRef idx="0">
+          <a:scrgbClr r="0" g="0" b="0"/>
+        </a:effectRef>
+        <a:fontRef idx="minor"/>
+      </dsp:style>
+    </dsp:sp>
+    <dsp:sp modelId="{97CA18AA-8E72-4003-B13F-502894D7865D}">
+      <dsp:nvSpPr>
+        <dsp:cNvPr id="0" name=""/>
+        <dsp:cNvSpPr/>
+      </dsp:nvSpPr>
+      <dsp:spPr>
+        <a:xfrm>
+          <a:off x="504931" y="376281"/>
+          <a:ext cx="918056" cy="918056"/>
+        </a:xfrm>
+        <a:prstGeom prst="rect">
+          <a:avLst/>
+        </a:prstGeom>
+        <a:blipFill>
+          <a:blip xmlns:r="http://schemas.openxmlformats.org/officeDocument/2006/relationships" r:embed="rId1">
+            <a:extLst>
+              <a:ext uri="{28A0092B-C50C-407E-A947-70E740481C1C}">
+                <a14:useLocalDpi xmlns:a14="http://schemas.microsoft.com/office/drawing/2010/main" val="0"/>
+              </a:ext>
+              <a:ext uri="{96DAC541-7B7A-43D3-8B79-37D633B846F1}">
+                <asvg:svgBlip xmlns:asvg="http://schemas.microsoft.com/office/drawing/2016/SVG/main" r:embed="rId2"/>
+              </a:ext>
+            </a:extLst>
+          </a:blip>
+          <a:stretch>
+            <a:fillRect/>
+          </a:stretch>
+        </a:blipFill>
+        <a:ln w="12700" cap="flat" cmpd="sng" algn="ctr">
+          <a:noFill/>
+          <a:prstDash val="solid"/>
+          <a:miter lim="800000"/>
+        </a:ln>
+        <a:effectLst/>
+      </dsp:spPr>
+      <dsp:style>
+        <a:lnRef idx="2">
+          <a:scrgbClr r="0" g="0" b="0"/>
+        </a:lnRef>
+        <a:fillRef idx="1">
+          <a:scrgbClr r="0" g="0" b="0"/>
+        </a:fillRef>
+        <a:effectRef idx="0">
+          <a:scrgbClr r="0" g="0" b="0"/>
+        </a:effectRef>
+        <a:fontRef idx="minor">
+          <a:schemeClr val="lt1"/>
+        </a:fontRef>
+      </dsp:style>
+    </dsp:sp>
+    <dsp:sp modelId="{B700035F-09FF-4BED-857B-E7C11087ECC0}">
+      <dsp:nvSpPr>
+        <dsp:cNvPr id="0" name=""/>
+        <dsp:cNvSpPr/>
+      </dsp:nvSpPr>
+      <dsp:spPr>
+        <a:xfrm>
+          <a:off x="1927918" y="713"/>
+          <a:ext cx="5075858" cy="1669193"/>
+        </a:xfrm>
+        <a:prstGeom prst="rect">
+          <a:avLst/>
+        </a:prstGeom>
+        <a:noFill/>
+        <a:ln>
+          <a:noFill/>
+        </a:ln>
+        <a:effectLst/>
+      </dsp:spPr>
+      <dsp:style>
+        <a:lnRef idx="0">
+          <a:scrgbClr r="0" g="0" b="0"/>
+        </a:lnRef>
+        <a:fillRef idx="0">
+          <a:scrgbClr r="0" g="0" b="0"/>
+        </a:fillRef>
+        <a:effectRef idx="0">
+          <a:scrgbClr r="0" g="0" b="0"/>
+        </a:effectRef>
+        <a:fontRef idx="minor"/>
+      </dsp:style>
+      <dsp:txBody>
+        <a:bodyPr spcFirstLastPara="0" vert="horz" wrap="square" lIns="176656" tIns="176656" rIns="176656" bIns="176656" numCol="1" spcCol="1270" anchor="ctr" anchorCtr="0">
+          <a:noAutofit/>
+        </a:bodyPr>
+        <a:lstStyle/>
+        <a:p>
+          <a:pPr marL="0" lvl="0" indent="0" algn="l" defTabSz="1111250">
+            <a:lnSpc>
+              <a:spcPct val="90000"/>
+            </a:lnSpc>
+            <a:spcBef>
+              <a:spcPct val="0"/>
+            </a:spcBef>
+            <a:spcAft>
+              <a:spcPct val="35000"/>
+            </a:spcAft>
+            <a:buNone/>
+          </a:pPr>
+          <a:r>
+            <a:rPr lang="en-US" sz="2500" kern="1200"/>
+            <a:t>Implement a featured stories page</a:t>
+          </a:r>
+        </a:p>
+      </dsp:txBody>
+      <dsp:txXfrm>
+        <a:off x="1927918" y="713"/>
+        <a:ext cx="5075858" cy="1669193"/>
+      </dsp:txXfrm>
+    </dsp:sp>
+    <dsp:sp modelId="{D3DEED15-8100-4A86-BAA6-5569FA7256FE}">
+      <dsp:nvSpPr>
+        <dsp:cNvPr id="0" name=""/>
+        <dsp:cNvSpPr/>
+      </dsp:nvSpPr>
+      <dsp:spPr>
+        <a:xfrm>
+          <a:off x="0" y="2087205"/>
+          <a:ext cx="7003777" cy="1669193"/>
+        </a:xfrm>
+        <a:prstGeom prst="roundRect">
+          <a:avLst>
+            <a:gd name="adj" fmla="val 10000"/>
+          </a:avLst>
+        </a:prstGeom>
+        <a:solidFill>
+          <a:schemeClr val="bg1">
+            <a:lumMod val="95000"/>
+            <a:hueOff val="0"/>
+            <a:satOff val="0"/>
+            <a:lumOff val="0"/>
+            <a:alphaOff val="0"/>
+          </a:schemeClr>
+        </a:solidFill>
+        <a:ln>
+          <a:noFill/>
+        </a:ln>
+        <a:effectLst/>
+      </dsp:spPr>
+      <dsp:style>
+        <a:lnRef idx="0">
+          <a:scrgbClr r="0" g="0" b="0"/>
+        </a:lnRef>
+        <a:fillRef idx="1">
+          <a:scrgbClr r="0" g="0" b="0"/>
+        </a:fillRef>
+        <a:effectRef idx="0">
+          <a:scrgbClr r="0" g="0" b="0"/>
+        </a:effectRef>
+        <a:fontRef idx="minor"/>
+      </dsp:style>
+    </dsp:sp>
+    <dsp:sp modelId="{94C6280E-B60C-4DD5-9286-EC02BDE3B3DA}">
+      <dsp:nvSpPr>
+        <dsp:cNvPr id="0" name=""/>
+        <dsp:cNvSpPr/>
+      </dsp:nvSpPr>
+      <dsp:spPr>
+        <a:xfrm>
+          <a:off x="504931" y="2462774"/>
+          <a:ext cx="918056" cy="918056"/>
+        </a:xfrm>
+        <a:prstGeom prst="rect">
+          <a:avLst/>
+        </a:prstGeom>
+        <a:blipFill>
+          <a:blip xmlns:r="http://schemas.openxmlformats.org/officeDocument/2006/relationships" r:embed="rId3">
+            <a:extLst>
+              <a:ext uri="{28A0092B-C50C-407E-A947-70E740481C1C}">
+                <a14:useLocalDpi xmlns:a14="http://schemas.microsoft.com/office/drawing/2010/main" val="0"/>
+              </a:ext>
+              <a:ext uri="{96DAC541-7B7A-43D3-8B79-37D633B846F1}">
+                <asvg:svgBlip xmlns:asvg="http://schemas.microsoft.com/office/drawing/2016/SVG/main" r:embed="rId4"/>
+              </a:ext>
+            </a:extLst>
+          </a:blip>
+          <a:stretch>
+            <a:fillRect/>
+          </a:stretch>
+        </a:blipFill>
+        <a:ln w="12700" cap="flat" cmpd="sng" algn="ctr">
+          <a:noFill/>
+          <a:prstDash val="solid"/>
+          <a:miter lim="800000"/>
+        </a:ln>
+        <a:effectLst/>
+      </dsp:spPr>
+      <dsp:style>
+        <a:lnRef idx="2">
+          <a:scrgbClr r="0" g="0" b="0"/>
+        </a:lnRef>
+        <a:fillRef idx="1">
+          <a:scrgbClr r="0" g="0" b="0"/>
+        </a:fillRef>
+        <a:effectRef idx="0">
+          <a:scrgbClr r="0" g="0" b="0"/>
+        </a:effectRef>
+        <a:fontRef idx="minor">
+          <a:schemeClr val="lt1"/>
+        </a:fontRef>
+      </dsp:style>
+    </dsp:sp>
+    <dsp:sp modelId="{D39144B8-697E-4687-B2AC-341254803F28}">
+      <dsp:nvSpPr>
+        <dsp:cNvPr id="0" name=""/>
+        <dsp:cNvSpPr/>
+      </dsp:nvSpPr>
+      <dsp:spPr>
+        <a:xfrm>
+          <a:off x="1927918" y="2087205"/>
+          <a:ext cx="5075858" cy="1669193"/>
+        </a:xfrm>
+        <a:prstGeom prst="rect">
+          <a:avLst/>
+        </a:prstGeom>
+        <a:noFill/>
+        <a:ln>
+          <a:noFill/>
+        </a:ln>
+        <a:effectLst/>
+      </dsp:spPr>
+      <dsp:style>
+        <a:lnRef idx="0">
+          <a:scrgbClr r="0" g="0" b="0"/>
+        </a:lnRef>
+        <a:fillRef idx="0">
+          <a:scrgbClr r="0" g="0" b="0"/>
+        </a:fillRef>
+        <a:effectRef idx="0">
+          <a:scrgbClr r="0" g="0" b="0"/>
+        </a:effectRef>
+        <a:fontRef idx="minor"/>
+      </dsp:style>
+      <dsp:txBody>
+        <a:bodyPr spcFirstLastPara="0" vert="horz" wrap="square" lIns="176656" tIns="176656" rIns="176656" bIns="176656" numCol="1" spcCol="1270" anchor="ctr" anchorCtr="0">
+          <a:noAutofit/>
+        </a:bodyPr>
+        <a:lstStyle/>
+        <a:p>
+          <a:pPr marL="0" lvl="0" indent="0" algn="l" defTabSz="1111250">
+            <a:lnSpc>
+              <a:spcPct val="90000"/>
+            </a:lnSpc>
+            <a:spcBef>
+              <a:spcPct val="0"/>
+            </a:spcBef>
+            <a:spcAft>
+              <a:spcPct val="35000"/>
+            </a:spcAft>
+            <a:buNone/>
+          </a:pPr>
+          <a:r>
+            <a:rPr lang="en-US" sz="2500" kern="1200"/>
+            <a:t>Create a rating system</a:t>
+          </a:r>
+        </a:p>
+      </dsp:txBody>
+      <dsp:txXfrm>
+        <a:off x="1927918" y="2087205"/>
+        <a:ext cx="5075858" cy="1669193"/>
+      </dsp:txXfrm>
+    </dsp:sp>
+    <dsp:sp modelId="{CF054985-8E94-4F50-A4A8-9FC8EF25FEE0}">
+      <dsp:nvSpPr>
+        <dsp:cNvPr id="0" name=""/>
+        <dsp:cNvSpPr/>
+      </dsp:nvSpPr>
+      <dsp:spPr>
+        <a:xfrm>
+          <a:off x="0" y="4173697"/>
+          <a:ext cx="7003777" cy="1669193"/>
+        </a:xfrm>
+        <a:prstGeom prst="roundRect">
+          <a:avLst>
+            <a:gd name="adj" fmla="val 10000"/>
+          </a:avLst>
+        </a:prstGeom>
+        <a:solidFill>
+          <a:schemeClr val="bg1">
+            <a:lumMod val="95000"/>
+            <a:hueOff val="0"/>
+            <a:satOff val="0"/>
+            <a:lumOff val="0"/>
+            <a:alphaOff val="0"/>
+          </a:schemeClr>
+        </a:solidFill>
+        <a:ln>
+          <a:noFill/>
+        </a:ln>
+        <a:effectLst/>
+      </dsp:spPr>
+      <dsp:style>
+        <a:lnRef idx="0">
+          <a:scrgbClr r="0" g="0" b="0"/>
+        </a:lnRef>
+        <a:fillRef idx="1">
+          <a:scrgbClr r="0" g="0" b="0"/>
+        </a:fillRef>
+        <a:effectRef idx="0">
+          <a:scrgbClr r="0" g="0" b="0"/>
+        </a:effectRef>
+        <a:fontRef idx="minor"/>
+      </dsp:style>
+    </dsp:sp>
+    <dsp:sp modelId="{8EEBB457-9C27-499C-B96D-9A0574B0CE1A}">
+      <dsp:nvSpPr>
+        <dsp:cNvPr id="0" name=""/>
+        <dsp:cNvSpPr/>
+      </dsp:nvSpPr>
+      <dsp:spPr>
+        <a:xfrm>
+          <a:off x="504931" y="4549266"/>
+          <a:ext cx="918056" cy="918056"/>
+        </a:xfrm>
+        <a:prstGeom prst="rect">
+          <a:avLst/>
+        </a:prstGeom>
+        <a:blipFill>
+          <a:blip xmlns:r="http://schemas.openxmlformats.org/officeDocument/2006/relationships" r:embed="rId5">
+            <a:extLst>
+              <a:ext uri="{28A0092B-C50C-407E-A947-70E740481C1C}">
+                <a14:useLocalDpi xmlns:a14="http://schemas.microsoft.com/office/drawing/2010/main" val="0"/>
+              </a:ext>
+              <a:ext uri="{96DAC541-7B7A-43D3-8B79-37D633B846F1}">
+                <asvg:svgBlip xmlns:asvg="http://schemas.microsoft.com/office/drawing/2016/SVG/main" r:embed="rId6"/>
+              </a:ext>
+            </a:extLst>
+          </a:blip>
+          <a:stretch>
+            <a:fillRect/>
+          </a:stretch>
+        </a:blipFill>
+        <a:ln w="12700" cap="flat" cmpd="sng" algn="ctr">
+          <a:noFill/>
+          <a:prstDash val="solid"/>
+          <a:miter lim="800000"/>
+        </a:ln>
+        <a:effectLst/>
+      </dsp:spPr>
+      <dsp:style>
+        <a:lnRef idx="2">
+          <a:scrgbClr r="0" g="0" b="0"/>
+        </a:lnRef>
+        <a:fillRef idx="1">
+          <a:scrgbClr r="0" g="0" b="0"/>
+        </a:fillRef>
+        <a:effectRef idx="0">
+          <a:scrgbClr r="0" g="0" b="0"/>
+        </a:effectRef>
+        <a:fontRef idx="minor">
+          <a:schemeClr val="lt1"/>
+        </a:fontRef>
+      </dsp:style>
+    </dsp:sp>
+    <dsp:sp modelId="{1BFECBE0-8623-4F6C-A9F2-0A91F7C2F1CD}">
+      <dsp:nvSpPr>
+        <dsp:cNvPr id="0" name=""/>
+        <dsp:cNvSpPr/>
+      </dsp:nvSpPr>
+      <dsp:spPr>
+        <a:xfrm>
+          <a:off x="1927918" y="4173697"/>
+          <a:ext cx="5075858" cy="1669193"/>
+        </a:xfrm>
+        <a:prstGeom prst="rect">
+          <a:avLst/>
+        </a:prstGeom>
+        <a:noFill/>
+        <a:ln>
+          <a:noFill/>
+        </a:ln>
+        <a:effectLst/>
+      </dsp:spPr>
+      <dsp:style>
+        <a:lnRef idx="0">
+          <a:scrgbClr r="0" g="0" b="0"/>
+        </a:lnRef>
+        <a:fillRef idx="0">
+          <a:scrgbClr r="0" g="0" b="0"/>
+        </a:fillRef>
+        <a:effectRef idx="0">
+          <a:scrgbClr r="0" g="0" b="0"/>
+        </a:effectRef>
+        <a:fontRef idx="minor"/>
+      </dsp:style>
+      <dsp:txBody>
+        <a:bodyPr spcFirstLastPara="0" vert="horz" wrap="square" lIns="176656" tIns="176656" rIns="176656" bIns="176656" numCol="1" spcCol="1270" anchor="ctr" anchorCtr="0">
+          <a:noAutofit/>
+        </a:bodyPr>
+        <a:lstStyle/>
+        <a:p>
+          <a:pPr marL="0" lvl="0" indent="0" algn="l" defTabSz="1111250">
+            <a:lnSpc>
+              <a:spcPct val="90000"/>
+            </a:lnSpc>
+            <a:spcBef>
+              <a:spcPct val="0"/>
+            </a:spcBef>
+            <a:spcAft>
+              <a:spcPct val="35000"/>
+            </a:spcAft>
+            <a:buNone/>
+          </a:pPr>
+          <a:r>
+            <a:rPr lang="en-US" sz="2500" kern="1200"/>
+            <a:t>Use a keyword tagging system</a:t>
+          </a:r>
+        </a:p>
+      </dsp:txBody>
+      <dsp:txXfrm>
+        <a:off x="1927918" y="4173697"/>
+        <a:ext cx="5075858" cy="1669193"/>
+      </dsp:txXfrm>
+    </dsp:sp>
+  </dsp:spTree>
+</dsp:drawing>
+</file>
+
+<file path=ppt/diagrams/layout1.xml><?xml version="1.0" encoding="utf-8"?>
+<dgm:layoutDef xmlns:dgm="http://schemas.openxmlformats.org/drawingml/2006/diagram" xmlns:a="http://schemas.openxmlformats.org/drawingml/2006/main" uniqueId="urn:microsoft.com/office/officeart/2018/2/layout/IconVerticalSolidList">
+  <dgm:title val="Icon Vertical Solid List"/>
+  <dgm:desc val="Use to show a series of visuals from top to bottom with Level 1 or Level 1 and Level 2 text grouped in a shape. Works best with icons or small pictures with lengthier descriptions."/>
+  <dgm:catLst>
+    <dgm:cat type="icon" pri="500"/>
+  </dgm:catLst>
+  <dgm:sampData useDef="1">
+    <dgm:dataModel>
+      <dgm:ptLst/>
+      <dgm:bg/>
+      <dgm:whole/>
+    </dgm:dataModel>
+  </dgm:sampData>
+  <dgm:styleData useDef="1">
+    <dgm:dataModel>
+      <dgm:ptLst/>
+      <dgm:bg/>
+      <dgm:whole/>
+    </dgm:dataModel>
+  </dgm:styleData>
+  <dgm:clrData useDef="1">
+    <dgm:dataModel>
+      <dgm:ptLst/>
+      <dgm:bg/>
+      <dgm:whole/>
+    </dgm:dataModel>
+  </dgm:clrData>
+  <dgm:layoutNode name="root">
+    <dgm:varLst>
+      <dgm:dir/>
+      <dgm:resizeHandles val="exact"/>
+    </dgm:varLst>
+    <dgm:choose name="Name0">
+      <dgm:if name="Name1" axis="self" func="var" arg="dir" op="equ" val="norm">
+        <dgm:alg type="lin">
+          <dgm:param type="linDir" val="fromT"/>
+          <dgm:param type="nodeHorzAlign" val="l"/>
+        </dgm:alg>
+      </dgm:if>
+      <dgm:else name="Name2">
+        <dgm:alg type="lin">
+          <dgm:param type="linDir" val="fromT"/>
+          <dgm:param type="nodeHorzAlign" val="r"/>
+        </dgm:alg>
+      </dgm:else>
+    </dgm:choose>
+    <dgm:shape xmlns:r="http://schemas.openxmlformats.org/officeDocument/2006/relationships" r:blip="">
+      <dgm:adjLst/>
+    </dgm:shape>
+    <dgm:presOf/>
+    <dgm:choose name="Name3">
+      <dgm:if name="Name4" axis="ch" ptType="node" func="cnt" op="lte" val="3">
+        <dgm:constrLst>
+          <dgm:constr type="h" for="ch" forName="compNode" refType="h" fact="0.3"/>
+          <dgm:constr type="w" for="ch" forName="compNode" refType="w"/>
+          <dgm:constr type="h" for="ch" forName="sibTrans" refType="h" refFor="ch" refForName="compNode" fact="0.25"/>
+          <dgm:constr type="primFontSz" for="des" forName="parTx" val="25"/>
+          <dgm:constr type="primFontSz" for="des" forName="desTx" refType="primFontSz" refFor="des" refForName="parTx" op="lte" fact="0.75"/>
+          <dgm:constr type="h" for="des" forName="compNode" op="equ"/>
+          <dgm:constr type="h" for="des" forName="bgRect" op="equ"/>
+          <dgm:constr type="h" for="des" forName="iconRect" op="equ"/>
+          <dgm:constr type="w" for="des" forName="iconRect" op="equ"/>
+          <dgm:constr type="h" for="des" forName="spaceRect" op="equ"/>
+          <dgm:constr type="h" for="des" forName="parTx" op="equ"/>
+          <dgm:constr type="h" for="des" forName="desTx" op="equ"/>
+        </dgm:constrLst>
+      </dgm:if>
+      <dgm:if name="Name5" axis="ch" ptType="node" func="cnt" op="lte" val="4">
+        <dgm:constrLst>
+          <dgm:constr type="h" for="ch" forName="compNode" refType="h" fact="0.3"/>
+          <dgm:constr type="w" for="ch" forName="compNode" refType="w"/>
+          <dgm:constr type="h" for="ch" forName="sibTrans" refType="h" refFor="ch" refForName="compNode" fact="0.25"/>
+          <dgm:constr type="primFontSz" for="des" forName="parTx" val="22"/>
+          <dgm:constr type="primFontSz" for="des" forName="desTx" refType="primFontSz" refFor="des" refForName="parTx" op="lte" fact="0.75"/>
+          <dgm:constr type="h" for="des" forName="compNode" op="equ"/>
+          <dgm:constr type="h" for="des" forName="bgRect" op="equ"/>
+          <dgm:constr type="h" for="des" forName="iconRect" op="equ"/>
+          <dgm:constr type="w" for="des" forName="iconRect" op="equ"/>
+          <dgm:constr type="h" for="des" forName="spaceRect" op="equ"/>
+          <dgm:constr type="h" for="des" forName="parTx" op="equ"/>
+          <dgm:constr type="h" for="des" forName="desTx" op="equ"/>
+        </dgm:constrLst>
+      </dgm:if>
+      <dgm:if name="Name6" axis="ch" ptType="node" func="cnt" op="lte" val="6">
+        <dgm:constrLst>
+          <dgm:constr type="h" for="ch" forName="compNode" refType="h" fact="0.3"/>
+          <dgm:constr type="w" for="ch" forName="compNode" refType="w"/>
+          <dgm:constr type="h" for="ch" forName="sibTrans" refType="h" refFor="ch" refForName="compNode" fact="0.25"/>
+          <dgm:constr type="primFontSz" for="des" forName="parTx" val="19"/>
+          <dgm:constr type="primFontSz" for="des" forName="desTx" refType="primFontSz" refFor="des" refForName="parTx" op="lte" fact="0.75"/>
+          <dgm:constr type="h" for="des" forName="compNode" op="equ"/>
+          <dgm:constr type="h" for="des" forName="bgRect" op="equ"/>
+          <dgm:constr type="h" for="des" forName="iconRect" op="equ"/>
+          <dgm:constr type="w" for="des" forName="iconRect" op="equ"/>
+          <dgm:constr type="h" for="des" forName="spaceRect" op="equ"/>
+          <dgm:constr type="h" for="des" forName="parTx" op="equ"/>
+          <dgm:constr type="h" for="des" forName="desTx" op="equ"/>
+        </dgm:constrLst>
+      </dgm:if>
+      <dgm:else name="Name7">
+        <dgm:constrLst>
+          <dgm:constr type="h" for="ch" forName="compNode" refType="h" fact="0.3"/>
+          <dgm:constr type="w" for="ch" forName="compNode" refType="w"/>
+          <dgm:constr type="h" for="ch" forName="sibTrans" refType="h" refFor="ch" refForName="compNode" fact="0.25"/>
+          <dgm:constr type="primFontSz" for="des" forName="parTx" val="16"/>
+          <dgm:constr type="primFontSz" for="des" forName="desTx" refType="primFontSz" refFor="des" refForName="parTx" op="lte" fact="0.75"/>
+          <dgm:constr type="h" for="des" forName="compNode" op="equ"/>
+          <dgm:constr type="h" for="des" forName="bgRect" op="equ"/>
+          <dgm:constr type="h" for="des" forName="iconRect" op="equ"/>
+          <dgm:constr type="w" for="des" forName="iconRect" op="equ"/>
+          <dgm:constr type="h" for="des" forName="spaceRect" op="equ"/>
+          <dgm:constr type="h" for="des" forName="parTx" op="equ"/>
+          <dgm:constr type="h" for="des" forName="desTx" op="equ"/>
+        </dgm:constrLst>
+      </dgm:else>
+    </dgm:choose>
+    <dgm:ruleLst>
+      <dgm:rule type="h" for="ch" forName="compNode" val="0" fact="NaN" max="NaN"/>
+    </dgm:ruleLst>
+    <dgm:forEach name="Name8" axis="ch" ptType="node">
+      <dgm:layoutNode name="compNode">
+        <dgm:alg type="composite"/>
+        <dgm:shape xmlns:r="http://schemas.openxmlformats.org/officeDocument/2006/relationships" r:blip="">
+          <dgm:adjLst/>
+        </dgm:shape>
+        <dgm:presOf axis="self"/>
+        <dgm:choose name="Name9">
+          <dgm:if name="Name10" axis="ch" ptType="node" func="cnt" op="gte" val="1">
+            <dgm:constrLst>
+              <dgm:constr type="w" for="ch" forName="bgRect" refType="w"/>
+              <dgm:constr type="h" for="ch" forName="bgRect" refType="h"/>
+              <dgm:constr type="l" for="ch" forName="bgRect"/>
+              <dgm:constr type="t" for="ch" forName="bgRect"/>
+              <dgm:constr type="h" for="ch" forName="iconRect" refType="h" fact="0.55"/>
+              <dgm:constr type="w" for="ch" forName="iconRect" refType="h" refFor="ch" refForName="iconRect"/>
+              <dgm:constr type="l" for="ch" forName="iconRect" refType="h" refFor="ch" refForName="iconRect" fact="0.55"/>
+              <dgm:constr type="ctrY" for="ch" forName="iconRect" refType="ctrY" refFor="ch" refForName="bgRect"/>
+              <dgm:constr type="w" for="ch" forName="spaceRect" refType="l" refFor="ch" refForName="iconRect"/>
+              <dgm:constr type="h" for="ch" forName="spaceRect" refType="h"/>
+              <dgm:constr type="l" for="ch" forName="spaceRect" refType="r" refFor="ch" refForName="iconRect"/>
+              <dgm:constr type="t" for="ch" forName="spaceRect"/>
+              <dgm:constr type="w" for="ch" forName="parTx" refType="w" fact="0.45"/>
+              <dgm:constr type="h" for="ch" forName="parTx" refType="h"/>
+              <dgm:constr type="l" for="ch" forName="parTx" refType="r" refFor="ch" refForName="spaceRect"/>
+              <dgm:constr type="t" for="ch" forName="parTx"/>
+              <dgm:constr type="h" for="ch" forName="desTx" refType="h"/>
+              <dgm:constr type="l" for="ch" forName="desTx" refType="r" refFor="ch" refForName="parTx"/>
+              <dgm:constr type="t" for="ch" forName="desTx"/>
+            </dgm:constrLst>
+          </dgm:if>
+          <dgm:else name="Name11">
+            <dgm:constrLst>
+              <dgm:constr type="w" for="ch" forName="bgRect" refType="w"/>
+              <dgm:constr type="h" for="ch" forName="bgRect" refType="h"/>
+              <dgm:constr type="l" for="ch" forName="bgRect"/>
+              <dgm:constr type="t" for="ch" forName="bgRect"/>
+              <dgm:constr type="h" for="ch" forName="iconRect" refType="h" fact="0.55"/>
+              <dgm:constr type="w" for="ch" forName="iconRect" refType="h" refFor="ch" refForName="iconRect"/>
+              <dgm:constr type="l" for="ch" forName="iconRect" refType="h" refFor="ch" refForName="iconRect" fact="0.55"/>
+              <dgm:constr type="ctrY" for="ch" forName="iconRect" refType="ctrY" refFor="ch" refForName="bgRect"/>
+              <dgm:constr type="w" for="ch" forName="spaceRect" refType="l" refFor="ch" refForName="iconRect"/>
+              <dgm:constr type="h" for="ch" forName="spaceRect" refType="h"/>
+              <dgm:constr type="l" for="ch" forName="spaceRect" refType="r" refFor="ch" refForName="iconRect"/>
+              <dgm:constr type="t" for="ch" forName="spaceRect"/>
+              <dgm:constr type="h" for="ch" forName="parTx" refType="h"/>
+              <dgm:constr type="l" for="ch" forName="parTx" refType="r" refFor="ch" refForName="spaceRect"/>
+              <dgm:constr type="t" for="ch" forName="parTx"/>
+            </dgm:constrLst>
+          </dgm:else>
+        </dgm:choose>
+        <dgm:ruleLst>
+          <dgm:rule type="h" val="INF" fact="NaN" max="NaN"/>
+        </dgm:ruleLst>
+        <dgm:layoutNode name="bgRect" styleLbl="bgShp">
+          <dgm:alg type="sp"/>
+          <dgm:shape xmlns:r="http://schemas.openxmlformats.org/officeDocument/2006/relationships" type="roundRect" r:blip="">
+            <dgm:adjLst>
+              <dgm:adj idx="1" val="0.1"/>
+            </dgm:adjLst>
+          </dgm:shape>
+          <dgm:presOf/>
+          <dgm:constrLst/>
+          <dgm:ruleLst/>
+        </dgm:layoutNode>
+        <dgm:layoutNode name="iconRect" styleLbl="node1">
+          <dgm:alg type="sp"/>
+          <dgm:shape xmlns:r="http://schemas.openxmlformats.org/officeDocument/2006/relationships" type="rect" r:blip="" blipPhldr="1">
+            <dgm:adjLst/>
+          </dgm:shape>
+          <dgm:presOf/>
+          <dgm:constrLst/>
+          <dgm:ruleLst/>
+        </dgm:layoutNode>
+        <dgm:layoutNode name="spaceRect">
+          <dgm:alg type="sp"/>
+          <dgm:shape xmlns:r="http://schemas.openxmlformats.org/officeDocument/2006/relationships" r:blip="">
+            <dgm:adjLst/>
+          </dgm:shape>
+          <dgm:presOf/>
+          <dgm:constrLst/>
+          <dgm:ruleLst/>
+        </dgm:layoutNode>
+        <dgm:layoutNode name="parTx" styleLbl="revTx">
+          <dgm:varLst>
+            <dgm:chMax val="0"/>
+            <dgm:chPref val="0"/>
+          </dgm:varLst>
+          <dgm:alg type="tx">
+            <dgm:param type="txAnchorVert" val="mid"/>
+            <dgm:param type="parTxLTRAlign" val="l"/>
+            <dgm:param type="shpTxLTRAlignCh" val="l"/>
+            <dgm:param type="parTxRTLAlign" val="r"/>
+            <dgm:param type="shpTxRTLAlignCh" val="r"/>
+          </dgm:alg>
+          <dgm:shape xmlns:r="http://schemas.openxmlformats.org/officeDocument/2006/relationships" type="rect" r:blip="">
+            <dgm:adjLst/>
+          </dgm:shape>
+          <dgm:presOf axis="self" ptType="node"/>
+          <dgm:constrLst>
+            <dgm:constr type="lMarg" refType="h" fact="0.3"/>
+            <dgm:constr type="rMarg" refType="h" fact="0.3"/>
+            <dgm:constr type="tMarg" refType="h" fact="0.3"/>
+            <dgm:constr type="bMarg" refType="h" fact="0.3"/>
+          </dgm:constrLst>
+          <dgm:ruleLst>
+            <dgm:rule type="primFontSz" val="14" fact="NaN" max="NaN"/>
+            <dgm:rule type="h" val="INF" fact="NaN" max="NaN"/>
+          </dgm:ruleLst>
+        </dgm:layoutNode>
+        <dgm:choose name="Name12">
+          <dgm:if name="Name13" axis="ch" ptType="node" func="cnt" op="gte" val="1">
+            <dgm:layoutNode name="desTx" styleLbl="revTx">
+              <dgm:varLst/>
+              <dgm:alg type="tx">
+                <dgm:param type="txAnchorVertCh" val="mid"/>
+                <dgm:param type="parTxLTRAlign" val="l"/>
+                <dgm:param type="shpTxLTRAlignCh" val="l"/>
+                <dgm:param type="parTxRTLAlign" val="r"/>
+                <dgm:param type="shpTxRTLAlignCh" val="r"/>
+                <dgm:param type="stBulletLvl" val="0"/>
+              </dgm:alg>
+              <dgm:shape xmlns:r="http://schemas.openxmlformats.org/officeDocument/2006/relationships" type="rect" r:blip="">
+                <dgm:adjLst/>
+              </dgm:shape>
+              <dgm:presOf axis="des" ptType="node"/>
+              <dgm:constrLst>
+                <dgm:constr type="primFontSz" val="18"/>
+                <dgm:constr type="secFontSz" refType="primFontSz"/>
+                <dgm:constr type="lMarg" refType="h" fact="0.3"/>
+                <dgm:constr type="rMarg" refType="h" fact="0.3"/>
+                <dgm:constr type="tMarg" refType="h" fact="0.3"/>
+                <dgm:constr type="bMarg" refType="h" fact="0.3"/>
+              </dgm:constrLst>
+              <dgm:ruleLst>
+                <dgm:rule type="primFontSz" val="11" fact="NaN" max="NaN"/>
+              </dgm:ruleLst>
+            </dgm:layoutNode>
+          </dgm:if>
+          <dgm:else name="Name14"/>
+        </dgm:choose>
+      </dgm:layoutNode>
+      <dgm:forEach name="Name15" axis="followSib" ptType="sibTrans" cnt="1">
+        <dgm:layoutNode name="sibTrans">
+          <dgm:alg type="sp"/>
+          <dgm:shape xmlns:r="http://schemas.openxmlformats.org/officeDocument/2006/relationships" r:blip="">
+            <dgm:adjLst/>
+          </dgm:shape>
+          <dgm:presOf axis="self"/>
+          <dgm:constrLst/>
+          <dgm:ruleLst/>
+        </dgm:layoutNode>
+      </dgm:forEach>
+    </dgm:forEach>
+  </dgm:layoutNode>
+  <dgm:extLst>
+    <a:ext uri="{68A01E43-0DF5-4B5B-8FA6-DAF915123BFB}">
+      <dgm1612:lstStyle xmlns:dgm1612="http://schemas.microsoft.com/office/drawing/2016/12/diagram">
+        <a:lvl1pPr>
+          <a:lnSpc>
+            <a:spcPct val="100000"/>
+          </a:lnSpc>
+        </a:lvl1pPr>
+        <a:lvl2pPr>
+          <a:lnSpc>
+            <a:spcPct val="100000"/>
+          </a:lnSpc>
+        </a:lvl2pPr>
+      </dgm1612:lstStyle>
+    </a:ext>
+  </dgm:extLst>
+</dgm:layoutDef>
+</file>
+
+<file path=ppt/diagrams/quickStyle1.xml><?xml version="1.0" encoding="utf-8"?>
+<dgm:styleDef xmlns:dgm="http://schemas.openxmlformats.org/drawingml/2006/diagram" xmlns:a="http://schemas.openxmlformats.org/drawingml/2006/main" uniqueId="urn:microsoft.com/office/officeart/2005/8/quickstyle/simple1">
+  <dgm:title val=""/>
+  <dgm:desc val=""/>
+  <dgm:catLst>
+    <dgm:cat type="simple" pri="10100"/>
+  </dgm:catLst>
+  <dgm:scene3d>
+    <a:camera prst="orthographicFront"/>
+    <a:lightRig rig="threePt" dir="t"/>
+  </dgm:scene3d>
+  <dgm:styleLbl name="node0">
+    <dgm:scene3d>
+      <a:camera prst="orthographicFront"/>
+      <a:lightRig rig="threePt" dir="t"/>
+    </dgm:scene3d>
+    <dgm:sp3d/>
+    <dgm:txPr/>
+    <dgm:style>
+      <a:lnRef idx="2">
+        <a:scrgbClr r="0" g="0" b="0"/>
+      </a:lnRef>
+      <a:fillRef idx="1">
+        <a:scrgbClr r="0" g="0" b="0"/>
+      </a:fillRef>
+      <a:effectRef idx="0">
+        <a:scrgbClr r="0" g="0" b="0"/>
+      </a:effectRef>
+      <a:fontRef idx="minor">
+        <a:schemeClr val="lt1"/>
+      </a:fontRef>
+    </dgm:style>
+  </dgm:styleLbl>
+  <dgm:styleLbl name="lnNode1">
+    <dgm:scene3d>
+      <a:camera prst="orthographicFront"/>
+      <a:lightRig rig="threePt" dir="t"/>
+    </dgm:scene3d>
+    <dgm:sp3d/>
+    <dgm:txPr/>
+    <dgm:style>
+      <a:lnRef idx="2">
+        <a:scrgbClr r="0" g="0" b="0"/>
+      </a:lnRef>
+      <a:fillRef idx="1">
+        <a:scrgbClr r="0" g="0" b="0"/>
+      </a:fillRef>
+      <a:effectRef idx="0">
+        <a:scrgbClr r="0" g="0" b="0"/>
+      </a:effectRef>
+      <a:fontRef idx="minor">
+        <a:schemeClr val="lt1"/>
+      </a:fontRef>
+    </dgm:style>
+  </dgm:styleLbl>
+  <dgm:styleLbl name="vennNode1">
+    <dgm:scene3d>
+      <a:camera prst="orthographicFront"/>
+      <a:lightRig rig="threePt" dir="t"/>
+    </dgm:scene3d>
+    <dgm:sp3d/>
+    <dgm:txPr/>
+    <dgm:style>
+      <a:lnRef idx="2">
+        <a:scrgbClr r="0" g="0" b="0"/>
+      </a:lnRef>
+      <a:fillRef idx="1">
+        <a:scrgbClr r="0" g="0" b="0"/>
+      </a:fillRef>
+      <a:effectRef idx="0">
+        <a:scrgbClr r="0" g="0" b="0"/>
+      </a:effectRef>
+      <a:fontRef idx="minor">
+        <a:schemeClr val="tx1"/>
+      </a:fontRef>
+    </dgm:style>
+  </dgm:styleLbl>
+  <dgm:styleLbl name="alignNode1">
+    <dgm:scene3d>
+      <a:camera prst="orthographicFront"/>
+      <a:lightRig rig="threePt" dir="t"/>
+    </dgm:scene3d>
+    <dgm:sp3d/>
+    <dgm:txPr/>
+    <dgm:style>
+      <a:lnRef idx="2">
+        <a:scrgbClr r="0" g="0" b="0"/>
+      </a:lnRef>
+      <a:fillRef idx="1">
+        <a:scrgbClr r="0" g="0" b="0"/>
+      </a:fillRef>
+      <a:effectRef idx="0">
+        <a:scrgbClr r="0" g="0" b="0"/>
+      </a:effectRef>
+      <a:fontRef idx="minor">
+        <a:schemeClr val="lt1"/>
+      </a:fontRef>
+    </dgm:style>
+  </dgm:styleLbl>
+  <dgm:styleLbl name="node1">
+    <dgm:scene3d>
+      <a:camera prst="orthographicFront"/>
+      <a:lightRig rig="threePt" dir="t"/>
+    </dgm:scene3d>
+    <dgm:sp3d/>
+    <dgm:txPr/>
+    <dgm:style>
+      <a:lnRef idx="2">
+        <a:scrgbClr r="0" g="0" b="0"/>
+      </a:lnRef>
+      <a:fillRef idx="1">
+        <a:scrgbClr r="0" g="0" b="0"/>
+      </a:fillRef>
+      <a:effectRef idx="0">
+        <a:scrgbClr r="0" g="0" b="0"/>
+      </a:effectRef>
+      <a:fontRef idx="minor">
+        <a:schemeClr val="lt1"/>
+      </a:fontRef>
+    </dgm:style>
+  </dgm:styleLbl>
+  <dgm:styleLbl name="node2">
+    <dgm:scene3d>
+      <a:camera prst="orthographicFront"/>
+      <a:lightRig rig="threePt" dir="t"/>
+    </dgm:scene3d>
+    <dgm:sp3d/>
+    <dgm:txPr/>
+    <dgm:style>
+      <a:lnRef idx="2">
+        <a:scrgbClr r="0" g="0" b="0"/>
+      </a:lnRef>
+      <a:fillRef idx="1">
+        <a:scrgbClr r="0" g="0" b="0"/>
+      </a:fillRef>
+      <a:effectRef idx="0">
+        <a:scrgbClr r="0" g="0" b="0"/>
+      </a:effectRef>
+      <a:fontRef idx="minor">
+        <a:schemeClr val="lt1"/>
+      </a:fontRef>
+    </dgm:style>
+  </dgm:styleLbl>
+  <dgm:styleLbl name="node3">
+    <dgm:scene3d>
+      <a:camera prst="orthographicFront"/>
+      <a:lightRig rig="threePt" dir="t"/>
+    </dgm:scene3d>
+    <dgm:sp3d/>
+    <dgm:txPr/>
+    <dgm:style>
+      <a:lnRef idx="2">
+        <a:scrgbClr r="0" g="0" b="0"/>
+      </a:lnRef>
+      <a:fillRef idx="1">
+        <a:scrgbClr r="0" g="0" b="0"/>
+      </a:fillRef>
+      <a:effectRef idx="0">
+        <a:scrgbClr r="0" g="0" b="0"/>
+      </a:effectRef>
+      <a:fontRef idx="minor">
+        <a:schemeClr val="lt1"/>
+      </a:fontRef>
+    </dgm:style>
+  </dgm:styleLbl>
+  <dgm:styleLbl name="node4">
+    <dgm:scene3d>
+      <a:camera prst="orthographicFront"/>
+      <a:lightRig rig="threePt" dir="t"/>
+    </dgm:scene3d>
+    <dgm:sp3d/>
+    <dgm:txPr/>
+    <dgm:style>
+      <a:lnRef idx="2">
+        <a:scrgbClr r="0" g="0" b="0"/>
+      </a:lnRef>
+      <a:fillRef idx="1">
+        <a:scrgbClr r="0" g="0" b="0"/>
+      </a:fillRef>
+      <a:effectRef idx="0">
+        <a:scrgbClr r="0" g="0" b="0"/>
+      </a:effectRef>
+      <a:fontRef idx="minor">
+        <a:schemeClr val="lt1"/>
+      </a:fontRef>
+    </dgm:style>
+  </dgm:styleLbl>
+  <dgm:styleLbl name="fgImgPlace1">
+    <dgm:scene3d>
+      <a:camera prst="orthographicFront"/>
+      <a:lightRig rig="threePt" dir="t"/>
+    </dgm:scene3d>
+    <dgm:sp3d/>
+    <dgm:txPr/>
+    <dgm:style>
+      <a:lnRef idx="2">
+        <a:scrgbClr r="0" g="0" b="0"/>
+      </a:lnRef>
+      <a:fillRef idx="1">
+        <a:scrgbClr r="0" g="0" b="0"/>
+      </a:fillRef>
+      <a:effectRef idx="0">
+        <a:scrgbClr r="0" g="0" b="0"/>
+      </a:effectRef>
+      <a:fontRef idx="minor"/>
+    </dgm:style>
+  </dgm:styleLbl>
+  <dgm:styleLbl name="alignImgPlace1">
+    <dgm:scene3d>
+      <a:camera prst="orthographicFront"/>
+      <a:lightRig rig="threePt" dir="t"/>
+    </dgm:scene3d>
+    <dgm:sp3d/>
+    <dgm:txPr/>
+    <dgm:style>
+      <a:lnRef idx="2">
+        <a:scrgbClr r="0" g="0" b="0"/>
+      </a:lnRef>
+      <a:fillRef idx="1">
+        <a:scrgbClr r="0" g="0" b="0"/>
+      </a:fillRef>
+      <a:effectRef idx="0">
+        <a:scrgbClr r="0" g="0" b="0"/>
+      </a:effectRef>
+      <a:fontRef idx="minor"/>
+    </dgm:style>
+  </dgm:styleLbl>
+  <dgm:styleLbl name="bgImgPlace1">
+    <dgm:scene3d>
+      <a:camera prst="orthographicFront"/>
+      <a:lightRig rig="threePt" dir="t"/>
+    </dgm:scene3d>
+    <dgm:sp3d/>
+    <dgm:txPr/>
+    <dgm:style>
+      <a:lnRef idx="2">
+        <a:scrgbClr r="0" g="0" b="0"/>
+      </a:lnRef>
+      <a:fillRef idx="1">
+        <a:scrgbClr r="0" g="0" b="0"/>
+      </a:fillRef>
+      <a:effectRef idx="0">
+        <a:scrgbClr r="0" g="0" b="0"/>
+      </a:effectRef>
+      <a:fontRef idx="minor"/>
+    </dgm:style>
+  </dgm:styleLbl>
+  <dgm:styleLbl name="sibTrans2D1">
+    <dgm:scene3d>
+      <a:camera prst="orthographicFront"/>
+      <a:lightRig rig="threePt" dir="t"/>
+    </dgm:scene3d>
+    <dgm:sp3d/>
+    <dgm:txPr/>
+    <dgm:style>
+      <a:lnRef idx="0">
+        <a:scrgbClr r="0" g="0" b="0"/>
+      </a:lnRef>
+      <a:fillRef idx="1">
+        <a:scrgbClr r="0" g="0" b="0"/>
+      </a:fillRef>
+      <a:effectRef idx="0">
+        <a:scrgbClr r="0" g="0" b="0"/>
+      </a:effectRef>
+      <a:fontRef idx="minor">
+        <a:schemeClr val="lt1"/>
+      </a:fontRef>
+    </dgm:style>
+  </dgm:styleLbl>
+  <dgm:styleLbl name="fgSibTrans2D1">
+    <dgm:scene3d>
+      <a:camera prst="orthographicFront"/>
+      <a:lightRig rig="threePt" dir="t"/>
+    </dgm:scene3d>
+    <dgm:sp3d/>
+    <dgm:txPr/>
+    <dgm:style>
+      <a:lnRef idx="0">
+        <a:scrgbClr r="0" g="0" b="0"/>
+      </a:lnRef>
+      <a:fillRef idx="1">
+        <a:scrgbClr r="0" g="0" b="0"/>
+      </a:fillRef>
+      <a:effectRef idx="0">
+        <a:scrgbClr r="0" g="0" b="0"/>
+      </a:effectRef>
+      <a:fontRef idx="minor">
+        <a:schemeClr val="lt1"/>
+      </a:fontRef>
+    </dgm:style>
+  </dgm:styleLbl>
+  <dgm:styleLbl name="bgSibTrans2D1">
+    <dgm:scene3d>
+      <a:camera prst="orthographicFront"/>
+      <a:lightRig rig="threePt" dir="t"/>
+    </dgm:scene3d>
+    <dgm:sp3d/>
+    <dgm:txPr/>
+    <dgm:style>
+      <a:lnRef idx="0">
+        <a:scrgbClr r="0" g="0" b="0"/>
+      </a:lnRef>
+      <a:fillRef idx="1">
+        <a:scrgbClr r="0" g="0" b="0"/>
+      </a:fillRef>
+      <a:effectRef idx="0">
+        <a:scrgbClr r="0" g="0" b="0"/>
+      </a:effectRef>
+      <a:fontRef idx="minor">
+        <a:schemeClr val="lt1"/>
+      </a:fontRef>
+    </dgm:style>
+  </dgm:styleLbl>
+  <dgm:styleLbl name="sibTrans1D1">
+    <dgm:scene3d>
+      <a:camera prst="orthographicFront"/>
+      <a:lightRig rig="threePt" dir="t"/>
+    </dgm:scene3d>
+    <dgm:sp3d/>
+    <dgm:txPr/>
+    <dgm:style>
+      <a:lnRef idx="1">
+        <a:scrgbClr r="0" g="0" b="0"/>
+      </a:lnRef>
+      <a:fillRef idx="0">
+        <a:scrgbClr r="0" g="0" b="0"/>
+      </a:fillRef>
+      <a:effectRef idx="0">
+        <a:scrgbClr r="0" g="0" b="0"/>
+      </a:effectRef>
+      <a:fontRef idx="minor"/>
+    </dgm:style>
+  </dgm:styleLbl>
+  <dgm:styleLbl name="callout">
+    <dgm:scene3d>
+      <a:camera prst="orthographicFront"/>
+      <a:lightRig rig="threePt" dir="t"/>
+    </dgm:scene3d>
+    <dgm:sp3d/>
+    <dgm:txPr/>
+    <dgm:style>
+      <a:lnRef idx="2">
+        <a:scrgbClr r="0" g="0" b="0"/>
+      </a:lnRef>
+      <a:fillRef idx="1">
+        <a:scrgbClr r="0" g="0" b="0"/>
+      </a:fillRef>
+      <a:effectRef idx="0">
+        <a:scrgbClr r="0" g="0" b="0"/>
+      </a:effectRef>
+      <a:fontRef idx="minor"/>
+    </dgm:style>
+  </dgm:styleLbl>
+  <dgm:styleLbl name="asst0">
+    <dgm:scene3d>
+      <a:camera prst="orthographicFront"/>
+      <a:lightRig rig="threePt" dir="t"/>
+    </dgm:scene3d>
+    <dgm:sp3d/>
+    <dgm:txPr/>
+    <dgm:style>
+      <a:lnRef idx="2">
+        <a:scrgbClr r="0" g="0" b="0"/>
+      </a:lnRef>
+      <a:fillRef idx="1">
+        <a:scrgbClr r="0" g="0" b="0"/>
+      </a:fillRef>
+      <a:effectRef idx="0">
+        <a:scrgbClr r="0" g="0" b="0"/>
+      </a:effectRef>
+      <a:fontRef idx="minor">
+        <a:schemeClr val="lt1"/>
+      </a:fontRef>
+    </dgm:style>
+  </dgm:styleLbl>
+  <dgm:styleLbl name="asst1">
+    <dgm:scene3d>
+      <a:camera prst="orthographicFront"/>
+      <a:lightRig rig="threePt" dir="t"/>
+    </dgm:scene3d>
+    <dgm:sp3d/>
+    <dgm:txPr/>
+    <dgm:style>
+      <a:lnRef idx="2">
+        <a:scrgbClr r="0" g="0" b="0"/>
+      </a:lnRef>
+      <a:fillRef idx="1">
+        <a:scrgbClr r="0" g="0" b="0"/>
+      </a:fillRef>
+      <a:effectRef idx="0">
+        <a:scrgbClr r="0" g="0" b="0"/>
+      </a:effectRef>
+      <a:fontRef idx="minor">
+        <a:schemeClr val="lt1"/>
+      </a:fontRef>
+    </dgm:style>
+  </dgm:styleLbl>
+  <dgm:styleLbl name="asst2">
+    <dgm:scene3d>
+      <a:camera prst="orthographicFront"/>
+      <a:lightRig rig="threePt" dir="t"/>
+    </dgm:scene3d>
+    <dgm:sp3d/>
+    <dgm:txPr/>
+    <dgm:style>
+      <a:lnRef idx="2">
+        <a:scrgbClr r="0" g="0" b="0"/>
+      </a:lnRef>
+      <a:fillRef idx="1">
+        <a:scrgbClr r="0" g="0" b="0"/>
+      </a:fillRef>
+      <a:effectRef idx="0">
+        <a:scrgbClr r="0" g="0" b="0"/>
+      </a:effectRef>
+      <a:fontRef idx="minor">
+        <a:schemeClr val="lt1"/>
+      </a:fontRef>
+    </dgm:style>
+  </dgm:styleLbl>
+  <dgm:styleLbl name="asst3">
+    <dgm:scene3d>
+      <a:camera prst="orthographicFront"/>
+      <a:lightRig rig="threePt" dir="t"/>
+    </dgm:scene3d>
+    <dgm:sp3d/>
+    <dgm:txPr/>
+    <dgm:style>
+      <a:lnRef idx="2">
+        <a:scrgbClr r="0" g="0" b="0"/>
+      </a:lnRef>
+      <a:fillRef idx="1">
+        <a:scrgbClr r="0" g="0" b="0"/>
+      </a:fillRef>
+      <a:effectRef idx="0">
+        <a:scrgbClr r="0" g="0" b="0"/>
+      </a:effectRef>
+      <a:fontRef idx="minor">
+        <a:schemeClr val="lt1"/>
+      </a:fontRef>
+    </dgm:style>
+  </dgm:styleLbl>
+  <dgm:styleLbl name="asst4">
+    <dgm:scene3d>
+      <a:camera prst="orthographicFront"/>
+      <a:lightRig rig="threePt" dir="t"/>
+    </dgm:scene3d>
+    <dgm:sp3d/>
+    <dgm:txPr/>
+    <dgm:style>
+      <a:lnRef idx="2">
+        <a:scrgbClr r="0" g="0" b="0"/>
+      </a:lnRef>
+      <a:fillRef idx="1">
+        <a:scrgbClr r="0" g="0" b="0"/>
+      </a:fillRef>
+      <a:effectRef idx="0">
+        <a:scrgbClr r="0" g="0" b="0"/>
+      </a:effectRef>
+      <a:fontRef idx="minor">
+        <a:schemeClr val="lt1"/>
+      </a:fontRef>
+    </dgm:style>
+  </dgm:styleLbl>
+  <dgm:styleLbl name="parChTrans2D1">
+    <dgm:scene3d>
+      <a:camera prst="orthographicFront"/>
+      <a:lightRig rig="threePt" dir="t"/>
+    </dgm:scene3d>
+    <dgm:sp3d/>
+    <dgm:txPr/>
+    <dgm:style>
+      <a:lnRef idx="2">
+        <a:scrgbClr r="0" g="0" b="0"/>
+      </a:lnRef>
+      <a:fillRef idx="1">
+        <a:scrgbClr r="0" g="0" b="0"/>
+      </a:fillRef>
+      <a:effectRef idx="0">
+        <a:scrgbClr r="0" g="0" b="0"/>
+      </a:effectRef>
+      <a:fontRef idx="minor">
+        <a:schemeClr val="lt1"/>
+      </a:fontRef>
+    </dgm:style>
+  </dgm:styleLbl>
+  <dgm:styleLbl name="parChTrans2D2">
+    <dgm:scene3d>
+      <a:camera prst="orthographicFront"/>
+      <a:lightRig rig="threePt" dir="t"/>
+    </dgm:scene3d>
+    <dgm:sp3d/>
+    <dgm:txPr/>
+    <dgm:style>
+      <a:lnRef idx="2">
+        <a:scrgbClr r="0" g="0" b="0"/>
+      </a:lnRef>
+      <a:fillRef idx="1">
+        <a:scrgbClr r="0" g="0" b="0"/>
+      </a:fillRef>
+      <a:effectRef idx="0">
+        <a:scrgbClr r="0" g="0" b="0"/>
+      </a:effectRef>
+      <a:fontRef idx="minor">
+        <a:schemeClr val="lt1"/>
+      </a:fontRef>
+    </dgm:style>
+  </dgm:styleLbl>
+  <dgm:styleLbl name="parChTrans2D3">
+    <dgm:scene3d>
+      <a:camera prst="orthographicFront"/>
+      <a:lightRig rig="threePt" dir="t"/>
+    </dgm:scene3d>
+    <dgm:sp3d/>
+    <dgm:txPr/>
+    <dgm:style>
+      <a:lnRef idx="2">
+        <a:scrgbClr r="0" g="0" b="0"/>
+      </a:lnRef>
+      <a:fillRef idx="1">
+        <a:scrgbClr r="0" g="0" b="0"/>
+      </a:fillRef>
+      <a:effectRef idx="0">
+        <a:scrgbClr r="0" g="0" b="0"/>
+      </a:effectRef>
+      <a:fontRef idx="minor">
+        <a:schemeClr val="lt1"/>
+      </a:fontRef>
+    </dgm:style>
+  </dgm:styleLbl>
+  <dgm:styleLbl name="parChTrans2D4">
+    <dgm:scene3d>
+      <a:camera prst="orthographicFront"/>
+      <a:lightRig rig="threePt" dir="t"/>
+    </dgm:scene3d>
+    <dgm:sp3d/>
+    <dgm:txPr/>
+    <dgm:style>
+      <a:lnRef idx="2">
+        <a:scrgbClr r="0" g="0" b="0"/>
+      </a:lnRef>
+      <a:fillRef idx="1">
+        <a:scrgbClr r="0" g="0" b="0"/>
+      </a:fillRef>
+      <a:effectRef idx="0">
+        <a:scrgbClr r="0" g="0" b="0"/>
+      </a:effectRef>
+      <a:fontRef idx="minor">
+        <a:schemeClr val="lt1"/>
+      </a:fontRef>
+    </dgm:style>
+  </dgm:styleLbl>
+  <dgm:styleLbl name="parChTrans1D1">
+    <dgm:scene3d>
+      <a:camera prst="orthographicFront"/>
+      <a:lightRig rig="threePt" dir="t"/>
+    </dgm:scene3d>
+    <dgm:sp3d/>
+    <dgm:txPr/>
+    <dgm:style>
+      <a:lnRef idx="2">
+        <a:scrgbClr r="0" g="0" b="0"/>
+      </a:lnRef>
+      <a:fillRef idx="0">
+        <a:scrgbClr r="0" g="0" b="0"/>
+      </a:fillRef>
+      <a:effectRef idx="0">
+        <a:scrgbClr r="0" g="0" b="0"/>
+      </a:effectRef>
+      <a:fontRef idx="minor"/>
+    </dgm:style>
+  </dgm:styleLbl>
+  <dgm:styleLbl name="parChTrans1D2">
+    <dgm:scene3d>
+      <a:camera prst="orthographicFront"/>
+      <a:lightRig rig="threePt" dir="t"/>
+    </dgm:scene3d>
+    <dgm:sp3d/>
+    <dgm:txPr/>
+    <dgm:style>
+      <a:lnRef idx="2">
+        <a:scrgbClr r="0" g="0" b="0"/>
+      </a:lnRef>
+      <a:fillRef idx="0">
+        <a:scrgbClr r="0" g="0" b="0"/>
+      </a:fillRef>
+      <a:effectRef idx="0">
+        <a:scrgbClr r="0" g="0" b="0"/>
+      </a:effectRef>
+      <a:fontRef idx="minor"/>
+    </dgm:style>
+  </dgm:styleLbl>
+  <dgm:styleLbl name="parChTrans1D3">
+    <dgm:scene3d>
+      <a:camera prst="orthographicFront"/>
+      <a:lightRig rig="threePt" dir="t"/>
+    </dgm:scene3d>
+    <dgm:sp3d/>
+    <dgm:txPr/>
+    <dgm:style>
+      <a:lnRef idx="2">
+        <a:scrgbClr r="0" g="0" b="0"/>
+      </a:lnRef>
+      <a:fillRef idx="0">
+        <a:scrgbClr r="0" g="0" b="0"/>
+      </a:fillRef>
+      <a:effectRef idx="0">
+        <a:scrgbClr r="0" g="0" b="0"/>
+      </a:effectRef>
+      <a:fontRef idx="minor"/>
+    </dgm:style>
+  </dgm:styleLbl>
+  <dgm:styleLbl name="parChTrans1D4">
+    <dgm:scene3d>
+      <a:camera prst="orthographicFront"/>
+      <a:lightRig rig="threePt" dir="t"/>
+    </dgm:scene3d>
+    <dgm:sp3d/>
+    <dgm:txPr/>
+    <dgm:style>
+      <a:lnRef idx="2">
+        <a:scrgbClr r="0" g="0" b="0"/>
+      </a:lnRef>
+      <a:fillRef idx="0">
+        <a:scrgbClr r="0" g="0" b="0"/>
+      </a:fillRef>
+      <a:effectRef idx="0">
+        <a:scrgbClr r="0" g="0" b="0"/>
+      </a:effectRef>
+      <a:fontRef idx="minor"/>
+    </dgm:style>
+  </dgm:styleLbl>
+  <dgm:styleLbl name="fgAcc1">
+    <dgm:scene3d>
+      <a:camera prst="orthographicFront"/>
+      <a:lightRig rig="threePt" dir="t"/>
+    </dgm:scene3d>
+    <dgm:sp3d/>
+    <dgm:txPr/>
+    <dgm:style>
+      <a:lnRef idx="2">
+        <a:scrgbClr r="0" g="0" b="0"/>
+      </a:lnRef>
+      <a:fillRef idx="1">
+        <a:scrgbClr r="0" g="0" b="0"/>
+      </a:fillRef>
+      <a:effectRef idx="0">
+        <a:scrgbClr r="0" g="0" b="0"/>
+      </a:effectRef>
+      <a:fontRef idx="minor"/>
+    </dgm:style>
+  </dgm:styleLbl>
+  <dgm:styleLbl name="conFgAcc1">
+    <dgm:scene3d>
+      <a:camera prst="orthographicFront"/>
+      <a:lightRig rig="threePt" dir="t"/>
+    </dgm:scene3d>
+    <dgm:sp3d/>
+    <dgm:txPr/>
+    <dgm:style>
+      <a:lnRef idx="2">
+        <a:scrgbClr r="0" g="0" b="0"/>
+      </a:lnRef>
+      <a:fillRef idx="1">
+        <a:scrgbClr r="0" g="0" b="0"/>
+      </a:fillRef>
+      <a:effectRef idx="0">
+        <a:scrgbClr r="0" g="0" b="0"/>
+      </a:effectRef>
+      <a:fontRef idx="minor"/>
+    </dgm:style>
+  </dgm:styleLbl>
+  <dgm:styleLbl name="alignAcc1">
+    <dgm:scene3d>
+      <a:camera prst="orthographicFront"/>
+      <a:lightRig rig="threePt" dir="t"/>
+    </dgm:scene3d>
+    <dgm:sp3d/>
+    <dgm:txPr/>
+    <dgm:style>
+      <a:lnRef idx="2">
+        <a:scrgbClr r="0" g="0" b="0"/>
+      </a:lnRef>
+      <a:fillRef idx="1">
+        <a:scrgbClr r="0" g="0" b="0"/>
+      </a:fillRef>
+      <a:effectRef idx="0">
+        <a:scrgbClr r="0" g="0" b="0"/>
+      </a:effectRef>
+      <a:fontRef idx="minor"/>
+    </dgm:style>
+  </dgm:styleLbl>
+  <dgm:styleLbl name="trAlignAcc1">
+    <dgm:scene3d>
+      <a:camera prst="orthographicFront"/>
+      <a:lightRig rig="threePt" dir="t"/>
+    </dgm:scene3d>
+    <dgm:sp3d/>
+    <dgm:txPr/>
+    <dgm:style>
+      <a:lnRef idx="1">
+        <a:scrgbClr r="0" g="0" b="0"/>
+      </a:lnRef>
+      <a:fillRef idx="1">
+        <a:scrgbClr r="0" g="0" b="0"/>
+      </a:fillRef>
+      <a:effectRef idx="0">
+        <a:scrgbClr r="0" g="0" b="0"/>
+      </a:effectRef>
+      <a:fontRef idx="minor"/>
+    </dgm:style>
+  </dgm:styleLbl>
+  <dgm:styleLbl name="bgAcc1">
+    <dgm:scene3d>
+      <a:camera prst="orthographicFront"/>
+      <a:lightRig rig="threePt" dir="t"/>
+    </dgm:scene3d>
+    <dgm:sp3d/>
+    <dgm:txPr/>
+    <dgm:style>
+      <a:lnRef idx="2">
+        <a:scrgbClr r="0" g="0" b="0"/>
+      </a:lnRef>
+      <a:fillRef idx="1">
+        <a:scrgbClr r="0" g="0" b="0"/>
+      </a:fillRef>
+      <a:effectRef idx="0">
+        <a:scrgbClr r="0" g="0" b="0"/>
+      </a:effectRef>
+      <a:fontRef idx="minor"/>
+    </dgm:style>
+  </dgm:styleLbl>
+  <dgm:styleLbl name="solidFgAcc1">
+    <dgm:scene3d>
+      <a:camera prst="orthographicFront"/>
+      <a:lightRig rig="threePt" dir="t"/>
+    </dgm:scene3d>
+    <dgm:sp3d/>
+    <dgm:txPr/>
+    <dgm:style>
+      <a:lnRef idx="2">
+        <a:scrgbClr r="0" g="0" b="0"/>
+      </a:lnRef>
+      <a:fillRef idx="1">
+        <a:scrgbClr r="0" g="0" b="0"/>
+      </a:fillRef>
+      <a:effectRef idx="0">
+        <a:scrgbClr r="0" g="0" b="0"/>
+      </a:effectRef>
+      <a:fontRef idx="minor"/>
+    </dgm:style>
+  </dgm:styleLbl>
+  <dgm:styleLbl name="solidAlignAcc1">
+    <dgm:scene3d>
+      <a:camera prst="orthographicFront"/>
+      <a:lightRig rig="threePt" dir="t"/>
+    </dgm:scene3d>
+    <dgm:sp3d/>
+    <dgm:txPr/>
+    <dgm:style>
+      <a:lnRef idx="2">
+        <a:scrgbClr r="0" g="0" b="0"/>
+      </a:lnRef>
+      <a:fillRef idx="1">
+        <a:scrgbClr r="0" g="0" b="0"/>
+      </a:fillRef>
+      <a:effectRef idx="0">
+        <a:scrgbClr r="0" g="0" b="0"/>
+      </a:effectRef>
+      <a:fontRef idx="minor"/>
+    </dgm:style>
+  </dgm:styleLbl>
+  <dgm:styleLbl name="solidBgAcc1">
+    <dgm:scene3d>
+      <a:camera prst="orthographicFront"/>
+      <a:lightRig rig="threePt" dir="t"/>
+    </dgm:scene3d>
+    <dgm:sp3d/>
+    <dgm:txPr/>
+    <dgm:style>
+      <a:lnRef idx="2">
+        <a:scrgbClr r="0" g="0" b="0"/>
+      </a:lnRef>
+      <a:fillRef idx="1">
+        <a:scrgbClr r="0" g="0" b="0"/>
+      </a:fillRef>
+      <a:effectRef idx="0">
+        <a:scrgbClr r="0" g="0" b="0"/>
+      </a:effectRef>
+      <a:fontRef idx="minor"/>
+    </dgm:style>
+  </dgm:styleLbl>
+  <dgm:styleLbl name="fgAccFollowNode1">
+    <dgm:scene3d>
+      <a:camera prst="orthographicFront"/>
+      <a:lightRig rig="threePt" dir="t"/>
+    </dgm:scene3d>
+    <dgm:sp3d/>
+    <dgm:txPr/>
+    <dgm:style>
+      <a:lnRef idx="2">
+        <a:scrgbClr r="0" g="0" b="0"/>
+      </a:lnRef>
+      <a:fillRef idx="1">
+        <a:scrgbClr r="0" g="0" b="0"/>
+      </a:fillRef>
+      <a:effectRef idx="0">
+        <a:scrgbClr r="0" g="0" b="0"/>
+      </a:effectRef>
+      <a:fontRef idx="minor"/>
+    </dgm:style>
+  </dgm:styleLbl>
+  <dgm:styleLbl name="alignAccFollowNode1">
+    <dgm:scene3d>
+      <a:camera prst="orthographicFront"/>
+      <a:lightRig rig="threePt" dir="t"/>
+    </dgm:scene3d>
+    <dgm:sp3d/>
+    <dgm:txPr/>
+    <dgm:style>
+      <a:lnRef idx="2">
+        <a:scrgbClr r="0" g="0" b="0"/>
+      </a:lnRef>
+      <a:fillRef idx="1">
+        <a:scrgbClr r="0" g="0" b="0"/>
+      </a:fillRef>
+      <a:effectRef idx="0">
+        <a:scrgbClr r="0" g="0" b="0"/>
+      </a:effectRef>
+      <a:fontRef idx="minor"/>
+    </dgm:style>
+  </dgm:styleLbl>
+  <dgm:styleLbl name="bgAccFollowNode1">
+    <dgm:scene3d>
+      <a:camera prst="orthographicFront"/>
+      <a:lightRig rig="threePt" dir="t"/>
+    </dgm:scene3d>
+    <dgm:sp3d/>
+    <dgm:txPr/>
+    <dgm:style>
+      <a:lnRef idx="2">
+        <a:scrgbClr r="0" g="0" b="0"/>
+      </a:lnRef>
+      <a:fillRef idx="1">
+        <a:scrgbClr r="0" g="0" b="0"/>
+      </a:fillRef>
+      <a:effectRef idx="0">
+        <a:scrgbClr r="0" g="0" b="0"/>
+      </a:effectRef>
+      <a:fontRef idx="minor"/>
+    </dgm:style>
+  </dgm:styleLbl>
+  <dgm:styleLbl name="fgAcc0">
+    <dgm:scene3d>
+      <a:camera prst="orthographicFront"/>
+      <a:lightRig rig="threePt" dir="t"/>
+    </dgm:scene3d>
+    <dgm:sp3d/>
+    <dgm:txPr/>
+    <dgm:style>
+      <a:lnRef idx="2">
+        <a:scrgbClr r="0" g="0" b="0"/>
+      </a:lnRef>
+      <a:fillRef idx="1">
+        <a:scrgbClr r="0" g="0" b="0"/>
+      </a:fillRef>
+      <a:effectRef idx="0">
+        <a:scrgbClr r="0" g="0" b="0"/>
+      </a:effectRef>
+      <a:fontRef idx="minor"/>
+    </dgm:style>
+  </dgm:styleLbl>
+  <dgm:styleLbl name="fgAcc2">
+    <dgm:scene3d>
+      <a:camera prst="orthographicFront"/>
+      <a:lightRig rig="threePt" dir="t"/>
+    </dgm:scene3d>
+    <dgm:sp3d/>
+    <dgm:txPr/>
+    <dgm:style>
+      <a:lnRef idx="2">
+        <a:scrgbClr r="0" g="0" b="0"/>
+      </a:lnRef>
+      <a:fillRef idx="1">
+        <a:scrgbClr r="0" g="0" b="0"/>
+      </a:fillRef>
+      <a:effectRef idx="0">
+        <a:scrgbClr r="0" g="0" b="0"/>
+      </a:effectRef>
+      <a:fontRef idx="minor"/>
+    </dgm:style>
+  </dgm:styleLbl>
+  <dgm:styleLbl name="fgAcc3">
+    <dgm:scene3d>
+      <a:camera prst="orthographicFront"/>
+      <a:lightRig rig="threePt" dir="t"/>
+    </dgm:scene3d>
+    <dgm:sp3d/>
+    <dgm:txPr/>
+    <dgm:style>
+      <a:lnRef idx="2">
+        <a:scrgbClr r="0" g="0" b="0"/>
+      </a:lnRef>
+      <a:fillRef idx="1">
+        <a:scrgbClr r="0" g="0" b="0"/>
+      </a:fillRef>
+      <a:effectRef idx="0">
+        <a:scrgbClr r="0" g="0" b="0"/>
+      </a:effectRef>
+      <a:fontRef idx="minor"/>
+    </dgm:style>
+  </dgm:styleLbl>
+  <dgm:styleLbl name="fgAcc4">
+    <dgm:scene3d>
+      <a:camera prst="orthographicFront"/>
+      <a:lightRig rig="threePt" dir="t"/>
+    </dgm:scene3d>
+    <dgm:sp3d/>
+    <dgm:txPr/>
+    <dgm:style>
+      <a:lnRef idx="2">
+        <a:scrgbClr r="0" g="0" b="0"/>
+      </a:lnRef>
+      <a:fillRef idx="1">
+        <a:scrgbClr r="0" g="0" b="0"/>
+      </a:fillRef>
+      <a:effectRef idx="0">
+        <a:scrgbClr r="0" g="0" b="0"/>
+      </a:effectRef>
+      <a:fontRef idx="minor"/>
+    </dgm:style>
+  </dgm:styleLbl>
+  <dgm:styleLbl name="bgShp">
+    <dgm:scene3d>
+      <a:camera prst="orthographicFront"/>
+      <a:lightRig rig="threePt" dir="t"/>
+    </dgm:scene3d>
+    <dgm:sp3d/>
+    <dgm:txPr/>
+    <dgm:style>
+      <a:lnRef idx="0">
+        <a:scrgbClr r="0" g="0" b="0"/>
+      </a:lnRef>
+      <a:fillRef idx="1">
+        <a:scrgbClr r="0" g="0" b="0"/>
+      </a:fillRef>
+      <a:effectRef idx="0">
+        <a:scrgbClr r="0" g="0" b="0"/>
+      </a:effectRef>
+      <a:fontRef idx="minor"/>
+    </dgm:style>
+  </dgm:styleLbl>
+  <dgm:styleLbl name="dkBgShp">
+    <dgm:scene3d>
+      <a:camera prst="orthographicFront"/>
+      <a:lightRig rig="threePt" dir="t"/>
+    </dgm:scene3d>
+    <dgm:sp3d/>
+    <dgm:txPr/>
+    <dgm:style>
+      <a:lnRef idx="0">
+        <a:scrgbClr r="0" g="0" b="0"/>
+      </a:lnRef>
+      <a:fillRef idx="1">
+        <a:scrgbClr r="0" g="0" b="0"/>
+      </a:fillRef>
+      <a:effectRef idx="0">
+        <a:scrgbClr r="0" g="0" b="0"/>
+      </a:effectRef>
+      <a:fontRef idx="minor"/>
+    </dgm:style>
+  </dgm:styleLbl>
+  <dgm:styleLbl name="trBgShp">
+    <dgm:scene3d>
+      <a:camera prst="orthographicFront"/>
+      <a:lightRig rig="threePt" dir="t"/>
+    </dgm:scene3d>
+    <dgm:sp3d/>
+    <dgm:txPr/>
+    <dgm:style>
+      <a:lnRef idx="0">
+        <a:scrgbClr r="0" g="0" b="0"/>
+      </a:lnRef>
+      <a:fillRef idx="1">
+        <a:scrgbClr r="0" g="0" b="0"/>
+      </a:fillRef>
+      <a:effectRef idx="0">
+        <a:scrgbClr r="0" g="0" b="0"/>
+      </a:effectRef>
+      <a:fontRef idx="minor"/>
+    </dgm:style>
+  </dgm:styleLbl>
+  <dgm:styleLbl name="fgShp">
+    <dgm:scene3d>
+      <a:camera prst="orthographicFront"/>
+      <a:lightRig rig="threePt" dir="t"/>
+    </dgm:scene3d>
+    <dgm:sp3d/>
+    <dgm:txPr/>
+    <dgm:style>
+      <a:lnRef idx="2">
+        <a:scrgbClr r="0" g="0" b="0"/>
+      </a:lnRef>
+      <a:fillRef idx="1">
+        <a:scrgbClr r="0" g="0" b="0"/>
+      </a:fillRef>
+      <a:effectRef idx="0">
+        <a:scrgbClr r="0" g="0" b="0"/>
+      </a:effectRef>
+      <a:fontRef idx="minor"/>
+    </dgm:style>
+  </dgm:styleLbl>
+  <dgm:styleLbl name="revTx">
+    <dgm:scene3d>
+      <a:camera prst="orthographicFront"/>
+      <a:lightRig rig="threePt" dir="t"/>
+    </dgm:scene3d>
+    <dgm:sp3d/>
+    <dgm:txPr/>
+    <dgm:style>
+      <a:lnRef idx="0">
+        <a:scrgbClr r="0" g="0" b="0"/>
+      </a:lnRef>
+      <a:fillRef idx="0">
+        <a:scrgbClr r="0" g="0" b="0"/>
+      </a:fillRef>
+      <a:effectRef idx="0">
+        <a:scrgbClr r="0" g="0" b="0"/>
+      </a:effectRef>
+      <a:fontRef idx="minor"/>
+    </dgm:style>
+  </dgm:styleLbl>
+</dgm:styleDef>
+</file>
+
 <file path=ppt/slideLayouts/slideLayout1.xml><?xml version="1.0" encoding="utf-8"?>
 <p:sldLayout xmlns:a="http://schemas.openxmlformats.org/drawingml/2006/main" xmlns:r="http://schemas.openxmlformats.org/officeDocument/2006/relationships" xmlns:p="http://schemas.openxmlformats.org/presentationml/2006/main" type="title" preserve="1">
   <p:cSld name="Title Slide">
@@ -272,7 +3313,7 @@
             <a:fld id="{11A6662E-FAF4-44BC-88B5-85A7CBFB6D30}" type="datetime1">
               <a:rPr lang="en-US" smtClean="0"/>
               <a:pPr/>
-              <a:t>2/15/23</a:t>
+              <a:t>2/16/23</a:t>
             </a:fld>
             <a:endParaRPr lang="en-US"/>
           </a:p>
@@ -483,7 +3524,7 @@
           <a:p>
             <a:fld id="{4C559632-1575-4E14-B53B-3DC3D5ED3947}" type="datetime1">
               <a:rPr lang="en-US" smtClean="0"/>
-              <a:t>2/15/23</a:t>
+              <a:t>2/16/23</a:t>
             </a:fld>
             <a:endParaRPr lang="en-US"/>
           </a:p>
@@ -691,7 +3732,7 @@
           <a:p>
             <a:fld id="{CC4A6868-2568-4CC9-B302-F37117B01A6E}" type="datetime1">
               <a:rPr lang="en-US" smtClean="0"/>
-              <a:t>2/15/23</a:t>
+              <a:t>2/16/23</a:t>
             </a:fld>
             <a:endParaRPr lang="en-US"/>
           </a:p>
@@ -894,7 +3935,7 @@
           <a:p>
             <a:fld id="{0055F08A-1E71-4B2B-BB49-E743F2903911}" type="datetime1">
               <a:rPr lang="en-US" smtClean="0"/>
-              <a:t>2/15/23</a:t>
+              <a:t>2/16/23</a:t>
             </a:fld>
             <a:endParaRPr lang="en-US" dirty="0"/>
           </a:p>
@@ -1168,7 +4209,7 @@
           <a:p>
             <a:fld id="{15417D9E-721A-44BB-8863-9873FE64DA75}" type="datetime1">
               <a:rPr lang="en-US" smtClean="0"/>
-              <a:t>2/15/23</a:t>
+              <a:t>2/16/23</a:t>
             </a:fld>
             <a:endParaRPr lang="en-US"/>
           </a:p>
@@ -1438,7 +4479,7 @@
           <a:p>
             <a:fld id="{5F31DA2F-80B8-49CF-99FB-5ABCA53A607A}" type="datetime1">
               <a:rPr lang="en-US" smtClean="0"/>
-              <a:t>2/15/23</a:t>
+              <a:t>2/16/23</a:t>
             </a:fld>
             <a:endParaRPr lang="en-US"/>
           </a:p>
@@ -1851,7 +4892,7 @@
           <a:p>
             <a:fld id="{28852172-E6C9-4B6C-929A-A9DE3837BBF1}" type="datetime1">
               <a:rPr lang="en-US" smtClean="0"/>
-              <a:t>2/15/23</a:t>
+              <a:t>2/16/23</a:t>
             </a:fld>
             <a:endParaRPr lang="en-US"/>
           </a:p>
@@ -1997,7 +5038,7 @@
           <a:p>
             <a:fld id="{3AB41CFF-90C9-47B3-9DA1-F2BF8D839F7E}" type="datetime1">
               <a:rPr lang="en-US" smtClean="0"/>
-              <a:t>2/15/23</a:t>
+              <a:t>2/16/23</a:t>
             </a:fld>
             <a:endParaRPr lang="en-US"/>
           </a:p>
@@ -2110,7 +5151,7 @@
           <a:p>
             <a:fld id="{F06048FA-06AB-4884-A69B-986B96E68A24}" type="datetime1">
               <a:rPr lang="en-US" smtClean="0"/>
-              <a:t>2/15/23</a:t>
+              <a:t>2/16/23</a:t>
             </a:fld>
             <a:endParaRPr lang="en-US"/>
           </a:p>
@@ -2421,7 +5462,7 @@
           <a:p>
             <a:fld id="{50DB7ABA-0172-4F9C-889D-567164F66BCD}" type="datetime1">
               <a:rPr lang="en-US" smtClean="0"/>
-              <a:t>2/15/23</a:t>
+              <a:t>2/16/23</a:t>
             </a:fld>
             <a:endParaRPr lang="en-US"/>
           </a:p>
@@ -2712,7 +5753,7 @@
           <a:p>
             <a:fld id="{78AC6A5B-8AE7-4A41-B5A7-9ADC6686DC18}" type="datetime1">
               <a:rPr lang="en-US" smtClean="0"/>
-              <a:t>2/15/23</a:t>
+              <a:t>2/16/23</a:t>
             </a:fld>
             <a:endParaRPr lang="en-US"/>
           </a:p>
@@ -3058,7 +6099,7 @@
             <a:fld id="{57E0CF6C-748E-4B7A-BC8B-3011EF78ED13}" type="datetime1">
               <a:rPr lang="en-US" smtClean="0"/>
               <a:pPr/>
-              <a:t>2/15/23</a:t>
+              <a:t>2/16/23</a:t>
             </a:fld>
             <a:endParaRPr lang="en-US" dirty="0"/>
           </a:p>
@@ -5906,6 +8947,392 @@
 </p:sld>
 </file>
 
+<file path=ppt/slides/slide6.xml><?xml version="1.0" encoding="utf-8"?>
+<p:sld xmlns:a="http://schemas.openxmlformats.org/drawingml/2006/main" xmlns:r="http://schemas.openxmlformats.org/officeDocument/2006/relationships" xmlns:p="http://schemas.openxmlformats.org/presentationml/2006/main">
+  <p:cSld>
+    <p:bg>
+      <p:bgPr>
+        <a:solidFill>
+          <a:schemeClr val="bg1"/>
+        </a:solidFill>
+        <a:effectLst/>
+      </p:bgPr>
+    </p:bg>
+    <p:spTree>
+      <p:nvGrpSpPr>
+        <p:cNvPr id="1" name=""/>
+        <p:cNvGrpSpPr/>
+        <p:nvPr/>
+      </p:nvGrpSpPr>
+      <p:grpSpPr>
+        <a:xfrm>
+          <a:off x="0" y="0"/>
+          <a:ext cx="0" cy="0"/>
+          <a:chOff x="0" y="0"/>
+          <a:chExt cx="0" cy="0"/>
+        </a:xfrm>
+      </p:grpSpPr>
+      <p:sp useBgFill="1">
+        <p:nvSpPr>
+          <p:cNvPr id="9" name="Rectangle 8">
+            <a:extLst>
+              <a:ext uri="{FF2B5EF4-FFF2-40B4-BE49-F238E27FC236}">
+                <a16:creationId xmlns:a16="http://schemas.microsoft.com/office/drawing/2014/main" id="{8651CFA9-6065-4243-AC48-858E359780B1}"/>
+              </a:ext>
+              <a:ext uri="{C183D7F6-B498-43B3-948B-1728B52AA6E4}">
+                <adec:decorative xmlns:adec="http://schemas.microsoft.com/office/drawing/2017/decorative" val="1"/>
+              </a:ext>
+            </a:extLst>
+          </p:cNvPr>
+          <p:cNvSpPr>
+            <a:spLocks noGrp="1" noRot="1" noChangeAspect="1" noMove="1" noResize="1" noEditPoints="1" noAdjustHandles="1" noChangeArrowheads="1" noChangeShapeType="1" noTextEdit="1"/>
+          </p:cNvSpPr>
+          <p:nvPr>
+            <p:extLst>
+              <p:ext uri="{386F3935-93C4-4BCD-93E2-E3B085C9AB24}">
+                <p16:designElem xmlns:p16="http://schemas.microsoft.com/office/powerpoint/2015/main" val="1"/>
+              </p:ext>
+            </p:extLst>
+          </p:nvPr>
+        </p:nvSpPr>
+        <p:spPr>
+          <a:xfrm>
+            <a:off x="0" y="0"/>
+            <a:ext cx="12188952" cy="6858000"/>
+          </a:xfrm>
+          <a:prstGeom prst="rect">
+            <a:avLst/>
+          </a:prstGeom>
+          <a:ln>
+            <a:noFill/>
+          </a:ln>
+        </p:spPr>
+        <p:style>
+          <a:lnRef idx="2">
+            <a:schemeClr val="accent1">
+              <a:shade val="50000"/>
+            </a:schemeClr>
+          </a:lnRef>
+          <a:fillRef idx="1">
+            <a:schemeClr val="accent1"/>
+          </a:fillRef>
+          <a:effectRef idx="0">
+            <a:schemeClr val="accent1"/>
+          </a:effectRef>
+          <a:fontRef idx="minor">
+            <a:schemeClr val="lt1"/>
+          </a:fontRef>
+        </p:style>
+        <p:txBody>
+          <a:bodyPr rtlCol="0" anchor="ctr"/>
+          <a:lstStyle/>
+          <a:p>
+            <a:pPr algn="ctr"/>
+            <a:endParaRPr lang="en-US">
+              <a:solidFill>
+                <a:schemeClr val="tx1">
+                  <a:lumMod val="65000"/>
+                  <a:lumOff val="35000"/>
+                </a:schemeClr>
+              </a:solidFill>
+              <a:latin typeface="AvenirNext LT Pro Medium" panose="020B0504020202020204" pitchFamily="34" charset="0"/>
+            </a:endParaRPr>
+          </a:p>
+        </p:txBody>
+      </p:sp>
+      <p:sp>
+        <p:nvSpPr>
+          <p:cNvPr id="11" name="Rectangle 10">
+            <a:extLst>
+              <a:ext uri="{FF2B5EF4-FFF2-40B4-BE49-F238E27FC236}">
+                <a16:creationId xmlns:a16="http://schemas.microsoft.com/office/drawing/2014/main" id="{37962AE0-6A1C-4B76-9D52-10E5E6D7D3BB}"/>
+              </a:ext>
+              <a:ext uri="{C183D7F6-B498-43B3-948B-1728B52AA6E4}">
+                <adec:decorative xmlns:adec="http://schemas.microsoft.com/office/drawing/2017/decorative" val="1"/>
+              </a:ext>
+            </a:extLst>
+          </p:cNvPr>
+          <p:cNvSpPr>
+            <a:spLocks noGrp="1" noRot="1" noChangeAspect="1" noMove="1" noResize="1" noEditPoints="1" noAdjustHandles="1" noChangeArrowheads="1" noChangeShapeType="1" noTextEdit="1"/>
+          </p:cNvSpPr>
+          <p:nvPr>
+            <p:extLst>
+              <p:ext uri="{386F3935-93C4-4BCD-93E2-E3B085C9AB24}">
+                <p16:designElem xmlns:p16="http://schemas.microsoft.com/office/powerpoint/2015/main" val="1"/>
+              </p:ext>
+            </p:extLst>
+          </p:nvPr>
+        </p:nvSpPr>
+        <p:spPr>
+          <a:xfrm>
+            <a:off x="0" y="0"/>
+            <a:ext cx="12188952" cy="6858000"/>
+          </a:xfrm>
+          <a:prstGeom prst="rect">
+            <a:avLst/>
+          </a:prstGeom>
+          <a:solidFill>
+            <a:schemeClr val="bg2">
+              <a:alpha val="70000"/>
+            </a:schemeClr>
+          </a:solidFill>
+          <a:ln>
+            <a:noFill/>
+          </a:ln>
+        </p:spPr>
+        <p:style>
+          <a:lnRef idx="2">
+            <a:schemeClr val="accent1">
+              <a:shade val="50000"/>
+            </a:schemeClr>
+          </a:lnRef>
+          <a:fillRef idx="1">
+            <a:schemeClr val="accent1"/>
+          </a:fillRef>
+          <a:effectRef idx="0">
+            <a:schemeClr val="accent1"/>
+          </a:effectRef>
+          <a:fontRef idx="minor">
+            <a:schemeClr val="lt1"/>
+          </a:fontRef>
+        </p:style>
+        <p:txBody>
+          <a:bodyPr rtlCol="0" anchor="ctr"/>
+          <a:lstStyle/>
+          <a:p>
+            <a:pPr algn="ctr"/>
+            <a:endParaRPr lang="en-US">
+              <a:solidFill>
+                <a:schemeClr val="tx1">
+                  <a:lumMod val="65000"/>
+                  <a:lumOff val="35000"/>
+                </a:schemeClr>
+              </a:solidFill>
+              <a:latin typeface="AvenirNext LT Pro Medium" panose="020B0504020202020204" pitchFamily="34" charset="0"/>
+            </a:endParaRPr>
+          </a:p>
+        </p:txBody>
+      </p:sp>
+      <p:sp>
+        <p:nvSpPr>
+          <p:cNvPr id="13" name="Rectangle 12">
+            <a:extLst>
+              <a:ext uri="{FF2B5EF4-FFF2-40B4-BE49-F238E27FC236}">
+                <a16:creationId xmlns:a16="http://schemas.microsoft.com/office/drawing/2014/main" id="{027CAEDE-D92D-4745-8749-71019415A797}"/>
+              </a:ext>
+              <a:ext uri="{C183D7F6-B498-43B3-948B-1728B52AA6E4}">
+                <adec:decorative xmlns:adec="http://schemas.microsoft.com/office/drawing/2017/decorative" val="1"/>
+              </a:ext>
+            </a:extLst>
+          </p:cNvPr>
+          <p:cNvSpPr>
+            <a:spLocks noGrp="1" noRot="1" noChangeAspect="1" noMove="1" noResize="1" noEditPoints="1" noAdjustHandles="1" noChangeArrowheads="1" noChangeShapeType="1" noTextEdit="1"/>
+          </p:cNvSpPr>
+          <p:nvPr>
+            <p:extLst>
+              <p:ext uri="{386F3935-93C4-4BCD-93E2-E3B085C9AB24}">
+                <p16:designElem xmlns:p16="http://schemas.microsoft.com/office/powerpoint/2015/main" val="1"/>
+              </p:ext>
+            </p:extLst>
+          </p:nvPr>
+        </p:nvSpPr>
+        <p:spPr>
+          <a:xfrm>
+            <a:off x="0" y="0"/>
+            <a:ext cx="4572000" cy="6858000"/>
+          </a:xfrm>
+          <a:prstGeom prst="rect">
+            <a:avLst/>
+          </a:prstGeom>
+          <a:solidFill>
+            <a:schemeClr val="tx2">
+              <a:lumMod val="90000"/>
+              <a:lumOff val="10000"/>
+            </a:schemeClr>
+          </a:solidFill>
+          <a:ln>
+            <a:noFill/>
+          </a:ln>
+        </p:spPr>
+        <p:style>
+          <a:lnRef idx="2">
+            <a:schemeClr val="accent1">
+              <a:shade val="50000"/>
+            </a:schemeClr>
+          </a:lnRef>
+          <a:fillRef idx="1">
+            <a:schemeClr val="accent1"/>
+          </a:fillRef>
+          <a:effectRef idx="0">
+            <a:schemeClr val="accent1"/>
+          </a:effectRef>
+          <a:fontRef idx="minor">
+            <a:schemeClr val="lt1"/>
+          </a:fontRef>
+        </p:style>
+        <p:txBody>
+          <a:bodyPr rtlCol="0" anchor="ctr"/>
+          <a:lstStyle/>
+          <a:p>
+            <a:pPr algn="ctr"/>
+            <a:endParaRPr lang="en-US" dirty="0"/>
+          </a:p>
+        </p:txBody>
+      </p:sp>
+      <p:sp>
+        <p:nvSpPr>
+          <p:cNvPr id="15" name="Rectangle 14">
+            <a:extLst>
+              <a:ext uri="{FF2B5EF4-FFF2-40B4-BE49-F238E27FC236}">
+                <a16:creationId xmlns:a16="http://schemas.microsoft.com/office/drawing/2014/main" id="{00C96CB6-3880-40E6-A4BF-F64E7D1E4295}"/>
+              </a:ext>
+              <a:ext uri="{C183D7F6-B498-43B3-948B-1728B52AA6E4}">
+                <adec:decorative xmlns:adec="http://schemas.microsoft.com/office/drawing/2017/decorative" val="1"/>
+              </a:ext>
+            </a:extLst>
+          </p:cNvPr>
+          <p:cNvSpPr>
+            <a:spLocks noGrp="1" noRot="1" noChangeAspect="1" noMove="1" noResize="1" noEditPoints="1" noAdjustHandles="1" noChangeArrowheads="1" noChangeShapeType="1" noTextEdit="1"/>
+          </p:cNvSpPr>
+          <p:nvPr>
+            <p:extLst>
+              <p:ext uri="{386F3935-93C4-4BCD-93E2-E3B085C9AB24}">
+                <p16:designElem xmlns:p16="http://schemas.microsoft.com/office/powerpoint/2015/main" val="1"/>
+              </p:ext>
+            </p:extLst>
+          </p:nvPr>
+        </p:nvSpPr>
+        <p:spPr>
+          <a:xfrm>
+            <a:off x="0" y="0"/>
+            <a:ext cx="4572000" cy="6858000"/>
+          </a:xfrm>
+          <a:prstGeom prst="rect">
+            <a:avLst/>
+          </a:prstGeom>
+          <a:blipFill dpi="0" rotWithShape="1">
+            <a:blip r:embed="rId2">
+              <a:alphaModFix amt="20000"/>
+              <a:duotone>
+                <a:schemeClr val="accent1">
+                  <a:shade val="45000"/>
+                  <a:satMod val="135000"/>
+                </a:schemeClr>
+                <a:prstClr val="white"/>
+              </a:duotone>
+            </a:blip>
+            <a:srcRect/>
+            <a:tile tx="889000" ty="0" sx="100000" sy="100000" flip="none" algn="tl"/>
+          </a:blipFill>
+          <a:ln>
+            <a:noFill/>
+          </a:ln>
+        </p:spPr>
+        <p:style>
+          <a:lnRef idx="2">
+            <a:schemeClr val="accent1">
+              <a:shade val="50000"/>
+            </a:schemeClr>
+          </a:lnRef>
+          <a:fillRef idx="1">
+            <a:schemeClr val="accent1"/>
+          </a:fillRef>
+          <a:effectRef idx="0">
+            <a:schemeClr val="accent1"/>
+          </a:effectRef>
+          <a:fontRef idx="minor">
+            <a:schemeClr val="lt1"/>
+          </a:fontRef>
+        </p:style>
+        <p:txBody>
+          <a:bodyPr rtlCol="0" anchor="ctr"/>
+          <a:lstStyle/>
+          <a:p>
+            <a:pPr algn="ctr"/>
+            <a:endParaRPr lang="en-US" dirty="0"/>
+          </a:p>
+        </p:txBody>
+      </p:sp>
+      <p:sp>
+        <p:nvSpPr>
+          <p:cNvPr id="2" name="Title 1">
+            <a:extLst>
+              <a:ext uri="{FF2B5EF4-FFF2-40B4-BE49-F238E27FC236}">
+                <a16:creationId xmlns:a16="http://schemas.microsoft.com/office/drawing/2014/main" id="{6C33851E-7FC5-3DAE-6C13-A092E62BD216}"/>
+              </a:ext>
+            </a:extLst>
+          </p:cNvPr>
+          <p:cNvSpPr>
+            <a:spLocks noGrp="1"/>
+          </p:cNvSpPr>
+          <p:nvPr>
+            <p:ph type="title"/>
+          </p:nvPr>
+        </p:nvSpPr>
+        <p:spPr>
+          <a:xfrm>
+            <a:off x="838201" y="559813"/>
+            <a:ext cx="2819399" cy="5577934"/>
+          </a:xfrm>
+        </p:spPr>
+        <p:txBody>
+          <a:bodyPr>
+            <a:normAutofit/>
+          </a:bodyPr>
+          <a:lstStyle/>
+          <a:p>
+            <a:r>
+              <a:rPr lang="en-US" dirty="0"/>
+              <a:t>Feedback</a:t>
+            </a:r>
+            <a:endParaRPr lang="en-US"/>
+          </a:p>
+        </p:txBody>
+      </p:sp>
+      <p:graphicFrame>
+        <p:nvGraphicFramePr>
+          <p:cNvPr id="5" name="Content Placeholder 2">
+            <a:extLst>
+              <a:ext uri="{FF2B5EF4-FFF2-40B4-BE49-F238E27FC236}">
+                <a16:creationId xmlns:a16="http://schemas.microsoft.com/office/drawing/2014/main" id="{E000315E-D602-760A-FBEB-05CB47AC0E14}"/>
+              </a:ext>
+            </a:extLst>
+          </p:cNvPr>
+          <p:cNvGraphicFramePr>
+            <a:graphicFrameLocks noGrp="1"/>
+          </p:cNvGraphicFramePr>
+          <p:nvPr>
+            <p:ph idx="1"/>
+            <p:extLst>
+              <p:ext uri="{D42A27DB-BD31-4B8C-83A1-F6EECF244321}">
+                <p14:modId xmlns:p14="http://schemas.microsoft.com/office/powerpoint/2010/main" val="1783269504"/>
+              </p:ext>
+            </p:extLst>
+          </p:nvPr>
+        </p:nvGraphicFramePr>
+        <p:xfrm>
+          <a:off x="4807223" y="457200"/>
+          <a:ext cx="7003777" cy="5843605"/>
+        </p:xfrm>
+        <a:graphic>
+          <a:graphicData uri="http://schemas.openxmlformats.org/drawingml/2006/diagram">
+            <dgm:relIds xmlns:dgm="http://schemas.openxmlformats.org/drawingml/2006/diagram" xmlns:r="http://schemas.openxmlformats.org/officeDocument/2006/relationships" r:dm="rId3" r:lo="rId4" r:qs="rId5" r:cs="rId6"/>
+          </a:graphicData>
+        </a:graphic>
+      </p:graphicFrame>
+    </p:spTree>
+    <p:extLst>
+      <p:ext uri="{BB962C8B-B14F-4D97-AF65-F5344CB8AC3E}">
+        <p14:creationId xmlns:p14="http://schemas.microsoft.com/office/powerpoint/2010/main" val="3838862197"/>
+      </p:ext>
+    </p:extLst>
+  </p:cSld>
+  <p:clrMapOvr>
+    <a:masterClrMapping/>
+  </p:clrMapOvr>
+</p:sld>
+</file>
+
 <file path=ppt/theme/theme1.xml><?xml version="1.0" encoding="utf-8"?>
 <a:theme xmlns:a="http://schemas.openxmlformats.org/drawingml/2006/main" name="BlockprintVTI">
   <a:themeElements>

--- a/weekly_team_presentation/Week4.pptx
+++ b/weekly_team_presentation/Week4.pptx
@@ -7872,13 +7872,18 @@
           <a:p>
             <a:pPr algn="ctr"/>
             <a:r>
-              <a:rPr lang="en-US" dirty="0">
+              <a:rPr lang="en-US">
                 <a:solidFill>
                   <a:schemeClr val="tx2"/>
                 </a:solidFill>
               </a:rPr>
-              <a:t>Models</a:t>
+              <a:t>ER Models</a:t>
             </a:r>
+            <a:endParaRPr lang="en-US" dirty="0">
+              <a:solidFill>
+                <a:schemeClr val="tx2"/>
+              </a:solidFill>
+            </a:endParaRPr>
           </a:p>
         </p:txBody>
       </p:sp>
